--- a/FinalProjPres.pptx
+++ b/FinalProjPres.pptx
@@ -9,6 +9,17 @@
   </p:notesMasterIdLst>
   <p:sldIdLst>
     <p:sldId id="256" r:id="rId6"/>
+    <p:sldId id="257" r:id="rId7"/>
+    <p:sldId id="258" r:id="rId8"/>
+    <p:sldId id="259" r:id="rId9"/>
+    <p:sldId id="260" r:id="rId10"/>
+    <p:sldId id="261" r:id="rId11"/>
+    <p:sldId id="262" r:id="rId12"/>
+    <p:sldId id="263" r:id="rId13"/>
+    <p:sldId id="264" r:id="rId14"/>
+    <p:sldId id="265" r:id="rId15"/>
+    <p:sldId id="266" r:id="rId16"/>
+    <p:sldId id="267" r:id="rId17"/>
   </p:sldIdLst>
   <p:sldSz cy="5143500" cx="9144000"/>
   <p:notesSz cx="6858000" cy="9144000"/>
@@ -741,6 +752,1095 @@
       <p:sp>
         <p:nvSpPr>
           <p:cNvPr id="52" name="Google Shape;52;p:notes"/>
+          <p:cNvSpPr txBox="1"/>
+          <p:nvPr>
+            <p:ph idx="1" type="body"/>
+          </p:nvPr>
+        </p:nvSpPr>
+        <p:spPr>
+          <a:xfrm>
+            <a:off x="685800" y="4343400"/>
+            <a:ext cx="5486400" cy="4114800"/>
+          </a:xfrm>
+          <a:prstGeom prst="rect">
+            <a:avLst/>
+          </a:prstGeom>
+        </p:spPr>
+        <p:txBody>
+          <a:bodyPr anchorCtr="0" anchor="t" bIns="91425" lIns="91425" spcFirstLastPara="1" rIns="91425" wrap="square" tIns="91425">
+            <a:noAutofit/>
+          </a:bodyPr>
+          <a:lstStyle/>
+          <a:p>
+            <a:pPr indent="0" lvl="0" marL="0" rtl="0" algn="l">
+              <a:spcBef>
+                <a:spcPts val="0"/>
+              </a:spcBef>
+              <a:spcAft>
+                <a:spcPts val="0"/>
+              </a:spcAft>
+              <a:buNone/>
+            </a:pPr>
+            <a:r>
+              <a:t/>
+            </a:r>
+            <a:endParaRPr/>
+          </a:p>
+        </p:txBody>
+      </p:sp>
+    </p:spTree>
+  </p:cSld>
+  <p:clrMapOvr>
+    <a:masterClrMapping/>
+  </p:clrMapOvr>
+</p:notes>
+</file>
+
+<file path=ppt/notesSlides/notesSlide10.xml><?xml version="1.0" encoding="utf-8"?>
+<p:notes xmlns:a="http://schemas.openxmlformats.org/drawingml/2006/main" xmlns:r="http://schemas.openxmlformats.org/officeDocument/2006/relationships" xmlns:mc="http://schemas.openxmlformats.org/markup-compatibility/2006" xmlns:mv="urn:schemas-microsoft-com:mac:vml" xmlns:p="http://schemas.openxmlformats.org/presentationml/2006/main" xmlns:c="http://schemas.openxmlformats.org/drawingml/2006/chart" xmlns:dgm="http://schemas.openxmlformats.org/drawingml/2006/diagram" xmlns:o="urn:schemas-microsoft-com:office:office" xmlns:v="urn:schemas-microsoft-com:vml" xmlns:pvml="urn:schemas-microsoft-com:office:powerpoint" xmlns:com="http://schemas.openxmlformats.org/drawingml/2006/compatibility" xmlns:p14="http://schemas.microsoft.com/office/powerpoint/2010/main" xmlns:p15="http://schemas.microsoft.com/office/powerpoint/2012/main" xmlns:ahyp="http://schemas.microsoft.com/office/drawing/2018/hyperlinkcolor" showMasterPhAnim="0" showMasterSp="0">
+  <p:cSld>
+    <p:spTree>
+      <p:nvGrpSpPr>
+        <p:cNvPr id="115" name="Shape 115"/>
+        <p:cNvGrpSpPr/>
+        <p:nvPr/>
+      </p:nvGrpSpPr>
+      <p:grpSpPr>
+        <a:xfrm>
+          <a:off x="0" y="0"/>
+          <a:ext cx="0" cy="0"/>
+          <a:chOff x="0" y="0"/>
+          <a:chExt cx="0" cy="0"/>
+        </a:xfrm>
+      </p:grpSpPr>
+      <p:sp>
+        <p:nvSpPr>
+          <p:cNvPr id="116" name="Google Shape;116;g1b24119b7c8_0_78:notes"/>
+          <p:cNvSpPr/>
+          <p:nvPr>
+            <p:ph idx="2" type="sldImg"/>
+          </p:nvPr>
+        </p:nvSpPr>
+        <p:spPr>
+          <a:xfrm>
+            <a:off x="381300" y="685800"/>
+            <a:ext cx="6096000" cy="3429000"/>
+          </a:xfrm>
+          <a:custGeom>
+            <a:rect b="b" l="l" r="r" t="t"/>
+            <a:pathLst>
+              <a:path extrusionOk="0" h="120000" w="120000">
+                <a:moveTo>
+                  <a:pt x="0" y="0"/>
+                </a:moveTo>
+                <a:lnTo>
+                  <a:pt x="120000" y="0"/>
+                </a:lnTo>
+                <a:lnTo>
+                  <a:pt x="120000" y="120000"/>
+                </a:lnTo>
+                <a:lnTo>
+                  <a:pt x="0" y="120000"/>
+                </a:lnTo>
+                <a:close/>
+              </a:path>
+            </a:pathLst>
+          </a:custGeom>
+        </p:spPr>
+      </p:sp>
+      <p:sp>
+        <p:nvSpPr>
+          <p:cNvPr id="117" name="Google Shape;117;g1b24119b7c8_0_78:notes"/>
+          <p:cNvSpPr txBox="1"/>
+          <p:nvPr>
+            <p:ph idx="1" type="body"/>
+          </p:nvPr>
+        </p:nvSpPr>
+        <p:spPr>
+          <a:xfrm>
+            <a:off x="685800" y="4343400"/>
+            <a:ext cx="5486400" cy="4114800"/>
+          </a:xfrm>
+          <a:prstGeom prst="rect">
+            <a:avLst/>
+          </a:prstGeom>
+        </p:spPr>
+        <p:txBody>
+          <a:bodyPr anchorCtr="0" anchor="t" bIns="91425" lIns="91425" spcFirstLastPara="1" rIns="91425" wrap="square" tIns="91425">
+            <a:noAutofit/>
+          </a:bodyPr>
+          <a:lstStyle/>
+          <a:p>
+            <a:pPr indent="0" lvl="0" marL="0" rtl="0" algn="l">
+              <a:spcBef>
+                <a:spcPts val="0"/>
+              </a:spcBef>
+              <a:spcAft>
+                <a:spcPts val="0"/>
+              </a:spcAft>
+              <a:buNone/>
+            </a:pPr>
+            <a:r>
+              <a:t/>
+            </a:r>
+            <a:endParaRPr/>
+          </a:p>
+        </p:txBody>
+      </p:sp>
+    </p:spTree>
+  </p:cSld>
+  <p:clrMapOvr>
+    <a:masterClrMapping/>
+  </p:clrMapOvr>
+</p:notes>
+</file>
+
+<file path=ppt/notesSlides/notesSlide11.xml><?xml version="1.0" encoding="utf-8"?>
+<p:notes xmlns:a="http://schemas.openxmlformats.org/drawingml/2006/main" xmlns:r="http://schemas.openxmlformats.org/officeDocument/2006/relationships" xmlns:mc="http://schemas.openxmlformats.org/markup-compatibility/2006" xmlns:mv="urn:schemas-microsoft-com:mac:vml" xmlns:p="http://schemas.openxmlformats.org/presentationml/2006/main" xmlns:c="http://schemas.openxmlformats.org/drawingml/2006/chart" xmlns:dgm="http://schemas.openxmlformats.org/drawingml/2006/diagram" xmlns:o="urn:schemas-microsoft-com:office:office" xmlns:v="urn:schemas-microsoft-com:vml" xmlns:pvml="urn:schemas-microsoft-com:office:powerpoint" xmlns:com="http://schemas.openxmlformats.org/drawingml/2006/compatibility" xmlns:p14="http://schemas.microsoft.com/office/powerpoint/2010/main" xmlns:p15="http://schemas.microsoft.com/office/powerpoint/2012/main" xmlns:ahyp="http://schemas.microsoft.com/office/drawing/2018/hyperlinkcolor" showMasterPhAnim="0" showMasterSp="0">
+  <p:cSld>
+    <p:spTree>
+      <p:nvGrpSpPr>
+        <p:cNvPr id="122" name="Shape 122"/>
+        <p:cNvGrpSpPr/>
+        <p:nvPr/>
+      </p:nvGrpSpPr>
+      <p:grpSpPr>
+        <a:xfrm>
+          <a:off x="0" y="0"/>
+          <a:ext cx="0" cy="0"/>
+          <a:chOff x="0" y="0"/>
+          <a:chExt cx="0" cy="0"/>
+        </a:xfrm>
+      </p:grpSpPr>
+      <p:sp>
+        <p:nvSpPr>
+          <p:cNvPr id="123" name="Google Shape;123;g1b24119b7c8_0_85:notes"/>
+          <p:cNvSpPr/>
+          <p:nvPr>
+            <p:ph idx="2" type="sldImg"/>
+          </p:nvPr>
+        </p:nvSpPr>
+        <p:spPr>
+          <a:xfrm>
+            <a:off x="381300" y="685800"/>
+            <a:ext cx="6096000" cy="3429000"/>
+          </a:xfrm>
+          <a:custGeom>
+            <a:rect b="b" l="l" r="r" t="t"/>
+            <a:pathLst>
+              <a:path extrusionOk="0" h="120000" w="120000">
+                <a:moveTo>
+                  <a:pt x="0" y="0"/>
+                </a:moveTo>
+                <a:lnTo>
+                  <a:pt x="120000" y="0"/>
+                </a:lnTo>
+                <a:lnTo>
+                  <a:pt x="120000" y="120000"/>
+                </a:lnTo>
+                <a:lnTo>
+                  <a:pt x="0" y="120000"/>
+                </a:lnTo>
+                <a:close/>
+              </a:path>
+            </a:pathLst>
+          </a:custGeom>
+        </p:spPr>
+      </p:sp>
+      <p:sp>
+        <p:nvSpPr>
+          <p:cNvPr id="124" name="Google Shape;124;g1b24119b7c8_0_85:notes"/>
+          <p:cNvSpPr txBox="1"/>
+          <p:nvPr>
+            <p:ph idx="1" type="body"/>
+          </p:nvPr>
+        </p:nvSpPr>
+        <p:spPr>
+          <a:xfrm>
+            <a:off x="685800" y="4343400"/>
+            <a:ext cx="5486400" cy="4114800"/>
+          </a:xfrm>
+          <a:prstGeom prst="rect">
+            <a:avLst/>
+          </a:prstGeom>
+        </p:spPr>
+        <p:txBody>
+          <a:bodyPr anchorCtr="0" anchor="t" bIns="91425" lIns="91425" spcFirstLastPara="1" rIns="91425" wrap="square" tIns="91425">
+            <a:noAutofit/>
+          </a:bodyPr>
+          <a:lstStyle/>
+          <a:p>
+            <a:pPr indent="0" lvl="0" marL="0" rtl="0" algn="l">
+              <a:spcBef>
+                <a:spcPts val="0"/>
+              </a:spcBef>
+              <a:spcAft>
+                <a:spcPts val="0"/>
+              </a:spcAft>
+              <a:buNone/>
+            </a:pPr>
+            <a:r>
+              <a:t/>
+            </a:r>
+            <a:endParaRPr/>
+          </a:p>
+        </p:txBody>
+      </p:sp>
+    </p:spTree>
+  </p:cSld>
+  <p:clrMapOvr>
+    <a:masterClrMapping/>
+  </p:clrMapOvr>
+</p:notes>
+</file>
+
+<file path=ppt/notesSlides/notesSlide12.xml><?xml version="1.0" encoding="utf-8"?>
+<p:notes xmlns:a="http://schemas.openxmlformats.org/drawingml/2006/main" xmlns:r="http://schemas.openxmlformats.org/officeDocument/2006/relationships" xmlns:mc="http://schemas.openxmlformats.org/markup-compatibility/2006" xmlns:mv="urn:schemas-microsoft-com:mac:vml" xmlns:p="http://schemas.openxmlformats.org/presentationml/2006/main" xmlns:c="http://schemas.openxmlformats.org/drawingml/2006/chart" xmlns:dgm="http://schemas.openxmlformats.org/drawingml/2006/diagram" xmlns:o="urn:schemas-microsoft-com:office:office" xmlns:v="urn:schemas-microsoft-com:vml" xmlns:pvml="urn:schemas-microsoft-com:office:powerpoint" xmlns:com="http://schemas.openxmlformats.org/drawingml/2006/compatibility" xmlns:p14="http://schemas.microsoft.com/office/powerpoint/2010/main" xmlns:p15="http://schemas.microsoft.com/office/powerpoint/2012/main" xmlns:ahyp="http://schemas.microsoft.com/office/drawing/2018/hyperlinkcolor" showMasterPhAnim="0" showMasterSp="0">
+  <p:cSld>
+    <p:spTree>
+      <p:nvGrpSpPr>
+        <p:cNvPr id="128" name="Shape 128"/>
+        <p:cNvGrpSpPr/>
+        <p:nvPr/>
+      </p:nvGrpSpPr>
+      <p:grpSpPr>
+        <a:xfrm>
+          <a:off x="0" y="0"/>
+          <a:ext cx="0" cy="0"/>
+          <a:chOff x="0" y="0"/>
+          <a:chExt cx="0" cy="0"/>
+        </a:xfrm>
+      </p:grpSpPr>
+      <p:sp>
+        <p:nvSpPr>
+          <p:cNvPr id="129" name="Google Shape;129;g1b24119b7c8_0_92:notes"/>
+          <p:cNvSpPr/>
+          <p:nvPr>
+            <p:ph idx="2" type="sldImg"/>
+          </p:nvPr>
+        </p:nvSpPr>
+        <p:spPr>
+          <a:xfrm>
+            <a:off x="381300" y="685800"/>
+            <a:ext cx="6096000" cy="3429000"/>
+          </a:xfrm>
+          <a:custGeom>
+            <a:rect b="b" l="l" r="r" t="t"/>
+            <a:pathLst>
+              <a:path extrusionOk="0" h="120000" w="120000">
+                <a:moveTo>
+                  <a:pt x="0" y="0"/>
+                </a:moveTo>
+                <a:lnTo>
+                  <a:pt x="120000" y="0"/>
+                </a:lnTo>
+                <a:lnTo>
+                  <a:pt x="120000" y="120000"/>
+                </a:lnTo>
+                <a:lnTo>
+                  <a:pt x="0" y="120000"/>
+                </a:lnTo>
+                <a:close/>
+              </a:path>
+            </a:pathLst>
+          </a:custGeom>
+        </p:spPr>
+      </p:sp>
+      <p:sp>
+        <p:nvSpPr>
+          <p:cNvPr id="130" name="Google Shape;130;g1b24119b7c8_0_92:notes"/>
+          <p:cNvSpPr txBox="1"/>
+          <p:nvPr>
+            <p:ph idx="1" type="body"/>
+          </p:nvPr>
+        </p:nvSpPr>
+        <p:spPr>
+          <a:xfrm>
+            <a:off x="685800" y="4343400"/>
+            <a:ext cx="5486400" cy="4114800"/>
+          </a:xfrm>
+          <a:prstGeom prst="rect">
+            <a:avLst/>
+          </a:prstGeom>
+        </p:spPr>
+        <p:txBody>
+          <a:bodyPr anchorCtr="0" anchor="t" bIns="91425" lIns="91425" spcFirstLastPara="1" rIns="91425" wrap="square" tIns="91425">
+            <a:noAutofit/>
+          </a:bodyPr>
+          <a:lstStyle/>
+          <a:p>
+            <a:pPr indent="0" lvl="0" marL="0" rtl="0" algn="l">
+              <a:spcBef>
+                <a:spcPts val="0"/>
+              </a:spcBef>
+              <a:spcAft>
+                <a:spcPts val="0"/>
+              </a:spcAft>
+              <a:buNone/>
+            </a:pPr>
+            <a:r>
+              <a:t/>
+            </a:r>
+            <a:endParaRPr/>
+          </a:p>
+        </p:txBody>
+      </p:sp>
+    </p:spTree>
+  </p:cSld>
+  <p:clrMapOvr>
+    <a:masterClrMapping/>
+  </p:clrMapOvr>
+</p:notes>
+</file>
+
+<file path=ppt/notesSlides/notesSlide2.xml><?xml version="1.0" encoding="utf-8"?>
+<p:notes xmlns:a="http://schemas.openxmlformats.org/drawingml/2006/main" xmlns:r="http://schemas.openxmlformats.org/officeDocument/2006/relationships" xmlns:mc="http://schemas.openxmlformats.org/markup-compatibility/2006" xmlns:mv="urn:schemas-microsoft-com:mac:vml" xmlns:p="http://schemas.openxmlformats.org/presentationml/2006/main" xmlns:c="http://schemas.openxmlformats.org/drawingml/2006/chart" xmlns:dgm="http://schemas.openxmlformats.org/drawingml/2006/diagram" xmlns:o="urn:schemas-microsoft-com:office:office" xmlns:v="urn:schemas-microsoft-com:vml" xmlns:pvml="urn:schemas-microsoft-com:office:powerpoint" xmlns:com="http://schemas.openxmlformats.org/drawingml/2006/compatibility" xmlns:p14="http://schemas.microsoft.com/office/powerpoint/2010/main" xmlns:p15="http://schemas.microsoft.com/office/powerpoint/2012/main" xmlns:ahyp="http://schemas.microsoft.com/office/drawing/2018/hyperlinkcolor" showMasterPhAnim="0" showMasterSp="0">
+  <p:cSld>
+    <p:spTree>
+      <p:nvGrpSpPr>
+        <p:cNvPr id="56" name="Shape 56"/>
+        <p:cNvGrpSpPr/>
+        <p:nvPr/>
+      </p:nvGrpSpPr>
+      <p:grpSpPr>
+        <a:xfrm>
+          <a:off x="0" y="0"/>
+          <a:ext cx="0" cy="0"/>
+          <a:chOff x="0" y="0"/>
+          <a:chExt cx="0" cy="0"/>
+        </a:xfrm>
+      </p:grpSpPr>
+      <p:sp>
+        <p:nvSpPr>
+          <p:cNvPr id="57" name="Google Shape;57;g1b24119b7c8_0_0:notes"/>
+          <p:cNvSpPr/>
+          <p:nvPr>
+            <p:ph idx="2" type="sldImg"/>
+          </p:nvPr>
+        </p:nvSpPr>
+        <p:spPr>
+          <a:xfrm>
+            <a:off x="381300" y="685800"/>
+            <a:ext cx="6096000" cy="3429000"/>
+          </a:xfrm>
+          <a:custGeom>
+            <a:rect b="b" l="l" r="r" t="t"/>
+            <a:pathLst>
+              <a:path extrusionOk="0" h="120000" w="120000">
+                <a:moveTo>
+                  <a:pt x="0" y="0"/>
+                </a:moveTo>
+                <a:lnTo>
+                  <a:pt x="120000" y="0"/>
+                </a:lnTo>
+                <a:lnTo>
+                  <a:pt x="120000" y="120000"/>
+                </a:lnTo>
+                <a:lnTo>
+                  <a:pt x="0" y="120000"/>
+                </a:lnTo>
+                <a:close/>
+              </a:path>
+            </a:pathLst>
+          </a:custGeom>
+        </p:spPr>
+      </p:sp>
+      <p:sp>
+        <p:nvSpPr>
+          <p:cNvPr id="58" name="Google Shape;58;g1b24119b7c8_0_0:notes"/>
+          <p:cNvSpPr txBox="1"/>
+          <p:nvPr>
+            <p:ph idx="1" type="body"/>
+          </p:nvPr>
+        </p:nvSpPr>
+        <p:spPr>
+          <a:xfrm>
+            <a:off x="685800" y="4343400"/>
+            <a:ext cx="5486400" cy="4114800"/>
+          </a:xfrm>
+          <a:prstGeom prst="rect">
+            <a:avLst/>
+          </a:prstGeom>
+        </p:spPr>
+        <p:txBody>
+          <a:bodyPr anchorCtr="0" anchor="t" bIns="91425" lIns="91425" spcFirstLastPara="1" rIns="91425" wrap="square" tIns="91425">
+            <a:noAutofit/>
+          </a:bodyPr>
+          <a:lstStyle/>
+          <a:p>
+            <a:pPr indent="0" lvl="0" marL="0" rtl="0" algn="l">
+              <a:spcBef>
+                <a:spcPts val="0"/>
+              </a:spcBef>
+              <a:spcAft>
+                <a:spcPts val="0"/>
+              </a:spcAft>
+              <a:buNone/>
+            </a:pPr>
+            <a:r>
+              <a:t/>
+            </a:r>
+            <a:endParaRPr/>
+          </a:p>
+        </p:txBody>
+      </p:sp>
+    </p:spTree>
+  </p:cSld>
+  <p:clrMapOvr>
+    <a:masterClrMapping/>
+  </p:clrMapOvr>
+</p:notes>
+</file>
+
+<file path=ppt/notesSlides/notesSlide3.xml><?xml version="1.0" encoding="utf-8"?>
+<p:notes xmlns:a="http://schemas.openxmlformats.org/drawingml/2006/main" xmlns:r="http://schemas.openxmlformats.org/officeDocument/2006/relationships" xmlns:mc="http://schemas.openxmlformats.org/markup-compatibility/2006" xmlns:mv="urn:schemas-microsoft-com:mac:vml" xmlns:p="http://schemas.openxmlformats.org/presentationml/2006/main" xmlns:c="http://schemas.openxmlformats.org/drawingml/2006/chart" xmlns:dgm="http://schemas.openxmlformats.org/drawingml/2006/diagram" xmlns:o="urn:schemas-microsoft-com:office:office" xmlns:v="urn:schemas-microsoft-com:vml" xmlns:pvml="urn:schemas-microsoft-com:office:powerpoint" xmlns:com="http://schemas.openxmlformats.org/drawingml/2006/compatibility" xmlns:p14="http://schemas.microsoft.com/office/powerpoint/2010/main" xmlns:p15="http://schemas.microsoft.com/office/powerpoint/2012/main" xmlns:ahyp="http://schemas.microsoft.com/office/drawing/2018/hyperlinkcolor" showMasterPhAnim="0" showMasterSp="0">
+  <p:cSld>
+    <p:spTree>
+      <p:nvGrpSpPr>
+        <p:cNvPr id="62" name="Shape 62"/>
+        <p:cNvGrpSpPr/>
+        <p:nvPr/>
+      </p:nvGrpSpPr>
+      <p:grpSpPr>
+        <a:xfrm>
+          <a:off x="0" y="0"/>
+          <a:ext cx="0" cy="0"/>
+          <a:chOff x="0" y="0"/>
+          <a:chExt cx="0" cy="0"/>
+        </a:xfrm>
+      </p:grpSpPr>
+      <p:sp>
+        <p:nvSpPr>
+          <p:cNvPr id="63" name="Google Shape;63;g1b24119b7c8_0_7:notes"/>
+          <p:cNvSpPr/>
+          <p:nvPr>
+            <p:ph idx="2" type="sldImg"/>
+          </p:nvPr>
+        </p:nvSpPr>
+        <p:spPr>
+          <a:xfrm>
+            <a:off x="381300" y="685800"/>
+            <a:ext cx="6096000" cy="3429000"/>
+          </a:xfrm>
+          <a:custGeom>
+            <a:rect b="b" l="l" r="r" t="t"/>
+            <a:pathLst>
+              <a:path extrusionOk="0" h="120000" w="120000">
+                <a:moveTo>
+                  <a:pt x="0" y="0"/>
+                </a:moveTo>
+                <a:lnTo>
+                  <a:pt x="120000" y="0"/>
+                </a:lnTo>
+                <a:lnTo>
+                  <a:pt x="120000" y="120000"/>
+                </a:lnTo>
+                <a:lnTo>
+                  <a:pt x="0" y="120000"/>
+                </a:lnTo>
+                <a:close/>
+              </a:path>
+            </a:pathLst>
+          </a:custGeom>
+        </p:spPr>
+      </p:sp>
+      <p:sp>
+        <p:nvSpPr>
+          <p:cNvPr id="64" name="Google Shape;64;g1b24119b7c8_0_7:notes"/>
+          <p:cNvSpPr txBox="1"/>
+          <p:nvPr>
+            <p:ph idx="1" type="body"/>
+          </p:nvPr>
+        </p:nvSpPr>
+        <p:spPr>
+          <a:xfrm>
+            <a:off x="685800" y="4343400"/>
+            <a:ext cx="5486400" cy="4114800"/>
+          </a:xfrm>
+          <a:prstGeom prst="rect">
+            <a:avLst/>
+          </a:prstGeom>
+        </p:spPr>
+        <p:txBody>
+          <a:bodyPr anchorCtr="0" anchor="t" bIns="91425" lIns="91425" spcFirstLastPara="1" rIns="91425" wrap="square" tIns="91425">
+            <a:noAutofit/>
+          </a:bodyPr>
+          <a:lstStyle/>
+          <a:p>
+            <a:pPr indent="0" lvl="0" marL="0" rtl="0" algn="l">
+              <a:spcBef>
+                <a:spcPts val="0"/>
+              </a:spcBef>
+              <a:spcAft>
+                <a:spcPts val="0"/>
+              </a:spcAft>
+              <a:buNone/>
+            </a:pPr>
+            <a:r>
+              <a:t/>
+            </a:r>
+            <a:endParaRPr/>
+          </a:p>
+        </p:txBody>
+      </p:sp>
+    </p:spTree>
+  </p:cSld>
+  <p:clrMapOvr>
+    <a:masterClrMapping/>
+  </p:clrMapOvr>
+</p:notes>
+</file>
+
+<file path=ppt/notesSlides/notesSlide4.xml><?xml version="1.0" encoding="utf-8"?>
+<p:notes xmlns:a="http://schemas.openxmlformats.org/drawingml/2006/main" xmlns:r="http://schemas.openxmlformats.org/officeDocument/2006/relationships" xmlns:mc="http://schemas.openxmlformats.org/markup-compatibility/2006" xmlns:mv="urn:schemas-microsoft-com:mac:vml" xmlns:p="http://schemas.openxmlformats.org/presentationml/2006/main" xmlns:c="http://schemas.openxmlformats.org/drawingml/2006/chart" xmlns:dgm="http://schemas.openxmlformats.org/drawingml/2006/diagram" xmlns:o="urn:schemas-microsoft-com:office:office" xmlns:v="urn:schemas-microsoft-com:vml" xmlns:pvml="urn:schemas-microsoft-com:office:powerpoint" xmlns:com="http://schemas.openxmlformats.org/drawingml/2006/compatibility" xmlns:p14="http://schemas.microsoft.com/office/powerpoint/2010/main" xmlns:p15="http://schemas.microsoft.com/office/powerpoint/2012/main" xmlns:ahyp="http://schemas.microsoft.com/office/drawing/2018/hyperlinkcolor" showMasterPhAnim="0" showMasterSp="0">
+  <p:cSld>
+    <p:spTree>
+      <p:nvGrpSpPr>
+        <p:cNvPr id="68" name="Shape 68"/>
+        <p:cNvGrpSpPr/>
+        <p:nvPr/>
+      </p:nvGrpSpPr>
+      <p:grpSpPr>
+        <a:xfrm>
+          <a:off x="0" y="0"/>
+          <a:ext cx="0" cy="0"/>
+          <a:chOff x="0" y="0"/>
+          <a:chExt cx="0" cy="0"/>
+        </a:xfrm>
+      </p:grpSpPr>
+      <p:sp>
+        <p:nvSpPr>
+          <p:cNvPr id="69" name="Google Shape;69;g1b24119b7c8_0_24:notes"/>
+          <p:cNvSpPr/>
+          <p:nvPr>
+            <p:ph idx="2" type="sldImg"/>
+          </p:nvPr>
+        </p:nvSpPr>
+        <p:spPr>
+          <a:xfrm>
+            <a:off x="381300" y="685800"/>
+            <a:ext cx="6096000" cy="3429000"/>
+          </a:xfrm>
+          <a:custGeom>
+            <a:rect b="b" l="l" r="r" t="t"/>
+            <a:pathLst>
+              <a:path extrusionOk="0" h="120000" w="120000">
+                <a:moveTo>
+                  <a:pt x="0" y="0"/>
+                </a:moveTo>
+                <a:lnTo>
+                  <a:pt x="120000" y="0"/>
+                </a:lnTo>
+                <a:lnTo>
+                  <a:pt x="120000" y="120000"/>
+                </a:lnTo>
+                <a:lnTo>
+                  <a:pt x="0" y="120000"/>
+                </a:lnTo>
+                <a:close/>
+              </a:path>
+            </a:pathLst>
+          </a:custGeom>
+        </p:spPr>
+      </p:sp>
+      <p:sp>
+        <p:nvSpPr>
+          <p:cNvPr id="70" name="Google Shape;70;g1b24119b7c8_0_24:notes"/>
+          <p:cNvSpPr txBox="1"/>
+          <p:nvPr>
+            <p:ph idx="1" type="body"/>
+          </p:nvPr>
+        </p:nvSpPr>
+        <p:spPr>
+          <a:xfrm>
+            <a:off x="685800" y="4343400"/>
+            <a:ext cx="5486400" cy="4114800"/>
+          </a:xfrm>
+          <a:prstGeom prst="rect">
+            <a:avLst/>
+          </a:prstGeom>
+        </p:spPr>
+        <p:txBody>
+          <a:bodyPr anchorCtr="0" anchor="t" bIns="91425" lIns="91425" spcFirstLastPara="1" rIns="91425" wrap="square" tIns="91425">
+            <a:noAutofit/>
+          </a:bodyPr>
+          <a:lstStyle/>
+          <a:p>
+            <a:pPr indent="0" lvl="0" marL="0" rtl="0" algn="l">
+              <a:spcBef>
+                <a:spcPts val="0"/>
+              </a:spcBef>
+              <a:spcAft>
+                <a:spcPts val="0"/>
+              </a:spcAft>
+              <a:buNone/>
+            </a:pPr>
+            <a:r>
+              <a:t/>
+            </a:r>
+            <a:endParaRPr/>
+          </a:p>
+        </p:txBody>
+      </p:sp>
+    </p:spTree>
+  </p:cSld>
+  <p:clrMapOvr>
+    <a:masterClrMapping/>
+  </p:clrMapOvr>
+</p:notes>
+</file>
+
+<file path=ppt/notesSlides/notesSlide5.xml><?xml version="1.0" encoding="utf-8"?>
+<p:notes xmlns:a="http://schemas.openxmlformats.org/drawingml/2006/main" xmlns:r="http://schemas.openxmlformats.org/officeDocument/2006/relationships" xmlns:mc="http://schemas.openxmlformats.org/markup-compatibility/2006" xmlns:mv="urn:schemas-microsoft-com:mac:vml" xmlns:p="http://schemas.openxmlformats.org/presentationml/2006/main" xmlns:c="http://schemas.openxmlformats.org/drawingml/2006/chart" xmlns:dgm="http://schemas.openxmlformats.org/drawingml/2006/diagram" xmlns:o="urn:schemas-microsoft-com:office:office" xmlns:v="urn:schemas-microsoft-com:vml" xmlns:pvml="urn:schemas-microsoft-com:office:powerpoint" xmlns:com="http://schemas.openxmlformats.org/drawingml/2006/compatibility" xmlns:p14="http://schemas.microsoft.com/office/powerpoint/2010/main" xmlns:p15="http://schemas.microsoft.com/office/powerpoint/2012/main" xmlns:ahyp="http://schemas.microsoft.com/office/drawing/2018/hyperlinkcolor" showMasterPhAnim="0" showMasterSp="0">
+  <p:cSld>
+    <p:spTree>
+      <p:nvGrpSpPr>
+        <p:cNvPr id="76" name="Shape 76"/>
+        <p:cNvGrpSpPr/>
+        <p:nvPr/>
+      </p:nvGrpSpPr>
+      <p:grpSpPr>
+        <a:xfrm>
+          <a:off x="0" y="0"/>
+          <a:ext cx="0" cy="0"/>
+          <a:chOff x="0" y="0"/>
+          <a:chExt cx="0" cy="0"/>
+        </a:xfrm>
+      </p:grpSpPr>
+      <p:sp>
+        <p:nvSpPr>
+          <p:cNvPr id="77" name="Google Shape;77;g1b24119b7c8_0_33:notes"/>
+          <p:cNvSpPr/>
+          <p:nvPr>
+            <p:ph idx="2" type="sldImg"/>
+          </p:nvPr>
+        </p:nvSpPr>
+        <p:spPr>
+          <a:xfrm>
+            <a:off x="381300" y="685800"/>
+            <a:ext cx="6096000" cy="3429000"/>
+          </a:xfrm>
+          <a:custGeom>
+            <a:rect b="b" l="l" r="r" t="t"/>
+            <a:pathLst>
+              <a:path extrusionOk="0" h="120000" w="120000">
+                <a:moveTo>
+                  <a:pt x="0" y="0"/>
+                </a:moveTo>
+                <a:lnTo>
+                  <a:pt x="120000" y="0"/>
+                </a:lnTo>
+                <a:lnTo>
+                  <a:pt x="120000" y="120000"/>
+                </a:lnTo>
+                <a:lnTo>
+                  <a:pt x="0" y="120000"/>
+                </a:lnTo>
+                <a:close/>
+              </a:path>
+            </a:pathLst>
+          </a:custGeom>
+        </p:spPr>
+      </p:sp>
+      <p:sp>
+        <p:nvSpPr>
+          <p:cNvPr id="78" name="Google Shape;78;g1b24119b7c8_0_33:notes"/>
+          <p:cNvSpPr txBox="1"/>
+          <p:nvPr>
+            <p:ph idx="1" type="body"/>
+          </p:nvPr>
+        </p:nvSpPr>
+        <p:spPr>
+          <a:xfrm>
+            <a:off x="685800" y="4343400"/>
+            <a:ext cx="5486400" cy="4114800"/>
+          </a:xfrm>
+          <a:prstGeom prst="rect">
+            <a:avLst/>
+          </a:prstGeom>
+        </p:spPr>
+        <p:txBody>
+          <a:bodyPr anchorCtr="0" anchor="t" bIns="91425" lIns="91425" spcFirstLastPara="1" rIns="91425" wrap="square" tIns="91425">
+            <a:noAutofit/>
+          </a:bodyPr>
+          <a:lstStyle/>
+          <a:p>
+            <a:pPr indent="0" lvl="0" marL="0" rtl="0" algn="l">
+              <a:spcBef>
+                <a:spcPts val="0"/>
+              </a:spcBef>
+              <a:spcAft>
+                <a:spcPts val="0"/>
+              </a:spcAft>
+              <a:buNone/>
+            </a:pPr>
+            <a:r>
+              <a:t/>
+            </a:r>
+            <a:endParaRPr/>
+          </a:p>
+        </p:txBody>
+      </p:sp>
+    </p:spTree>
+  </p:cSld>
+  <p:clrMapOvr>
+    <a:masterClrMapping/>
+  </p:clrMapOvr>
+</p:notes>
+</file>
+
+<file path=ppt/notesSlides/notesSlide6.xml><?xml version="1.0" encoding="utf-8"?>
+<p:notes xmlns:a="http://schemas.openxmlformats.org/drawingml/2006/main" xmlns:r="http://schemas.openxmlformats.org/officeDocument/2006/relationships" xmlns:mc="http://schemas.openxmlformats.org/markup-compatibility/2006" xmlns:mv="urn:schemas-microsoft-com:mac:vml" xmlns:p="http://schemas.openxmlformats.org/presentationml/2006/main" xmlns:c="http://schemas.openxmlformats.org/drawingml/2006/chart" xmlns:dgm="http://schemas.openxmlformats.org/drawingml/2006/diagram" xmlns:o="urn:schemas-microsoft-com:office:office" xmlns:v="urn:schemas-microsoft-com:vml" xmlns:pvml="urn:schemas-microsoft-com:office:powerpoint" xmlns:com="http://schemas.openxmlformats.org/drawingml/2006/compatibility" xmlns:p14="http://schemas.microsoft.com/office/powerpoint/2010/main" xmlns:p15="http://schemas.microsoft.com/office/powerpoint/2012/main" xmlns:ahyp="http://schemas.microsoft.com/office/drawing/2018/hyperlinkcolor" showMasterPhAnim="0" showMasterSp="0">
+  <p:cSld>
+    <p:spTree>
+      <p:nvGrpSpPr>
+        <p:cNvPr id="82" name="Shape 82"/>
+        <p:cNvGrpSpPr/>
+        <p:nvPr/>
+      </p:nvGrpSpPr>
+      <p:grpSpPr>
+        <a:xfrm>
+          <a:off x="0" y="0"/>
+          <a:ext cx="0" cy="0"/>
+          <a:chOff x="0" y="0"/>
+          <a:chExt cx="0" cy="0"/>
+        </a:xfrm>
+      </p:grpSpPr>
+      <p:sp>
+        <p:nvSpPr>
+          <p:cNvPr id="83" name="Google Shape;83;g1b24119b7c8_0_39:notes"/>
+          <p:cNvSpPr/>
+          <p:nvPr>
+            <p:ph idx="2" type="sldImg"/>
+          </p:nvPr>
+        </p:nvSpPr>
+        <p:spPr>
+          <a:xfrm>
+            <a:off x="381300" y="685800"/>
+            <a:ext cx="6096000" cy="3429000"/>
+          </a:xfrm>
+          <a:custGeom>
+            <a:rect b="b" l="l" r="r" t="t"/>
+            <a:pathLst>
+              <a:path extrusionOk="0" h="120000" w="120000">
+                <a:moveTo>
+                  <a:pt x="0" y="0"/>
+                </a:moveTo>
+                <a:lnTo>
+                  <a:pt x="120000" y="0"/>
+                </a:lnTo>
+                <a:lnTo>
+                  <a:pt x="120000" y="120000"/>
+                </a:lnTo>
+                <a:lnTo>
+                  <a:pt x="0" y="120000"/>
+                </a:lnTo>
+                <a:close/>
+              </a:path>
+            </a:pathLst>
+          </a:custGeom>
+        </p:spPr>
+      </p:sp>
+      <p:sp>
+        <p:nvSpPr>
+          <p:cNvPr id="84" name="Google Shape;84;g1b24119b7c8_0_39:notes"/>
+          <p:cNvSpPr txBox="1"/>
+          <p:nvPr>
+            <p:ph idx="1" type="body"/>
+          </p:nvPr>
+        </p:nvSpPr>
+        <p:spPr>
+          <a:xfrm>
+            <a:off x="685800" y="4343400"/>
+            <a:ext cx="5486400" cy="4114800"/>
+          </a:xfrm>
+          <a:prstGeom prst="rect">
+            <a:avLst/>
+          </a:prstGeom>
+        </p:spPr>
+        <p:txBody>
+          <a:bodyPr anchorCtr="0" anchor="t" bIns="91425" lIns="91425" spcFirstLastPara="1" rIns="91425" wrap="square" tIns="91425">
+            <a:noAutofit/>
+          </a:bodyPr>
+          <a:lstStyle/>
+          <a:p>
+            <a:pPr indent="0" lvl="0" marL="0" rtl="0" algn="l">
+              <a:spcBef>
+                <a:spcPts val="0"/>
+              </a:spcBef>
+              <a:spcAft>
+                <a:spcPts val="0"/>
+              </a:spcAft>
+              <a:buNone/>
+            </a:pPr>
+            <a:r>
+              <a:t/>
+            </a:r>
+            <a:endParaRPr/>
+          </a:p>
+        </p:txBody>
+      </p:sp>
+    </p:spTree>
+  </p:cSld>
+  <p:clrMapOvr>
+    <a:masterClrMapping/>
+  </p:clrMapOvr>
+</p:notes>
+</file>
+
+<file path=ppt/notesSlides/notesSlide7.xml><?xml version="1.0" encoding="utf-8"?>
+<p:notes xmlns:a="http://schemas.openxmlformats.org/drawingml/2006/main" xmlns:r="http://schemas.openxmlformats.org/officeDocument/2006/relationships" xmlns:mc="http://schemas.openxmlformats.org/markup-compatibility/2006" xmlns:mv="urn:schemas-microsoft-com:mac:vml" xmlns:p="http://schemas.openxmlformats.org/presentationml/2006/main" xmlns:c="http://schemas.openxmlformats.org/drawingml/2006/chart" xmlns:dgm="http://schemas.openxmlformats.org/drawingml/2006/diagram" xmlns:o="urn:schemas-microsoft-com:office:office" xmlns:v="urn:schemas-microsoft-com:vml" xmlns:pvml="urn:schemas-microsoft-com:office:powerpoint" xmlns:com="http://schemas.openxmlformats.org/drawingml/2006/compatibility" xmlns:p14="http://schemas.microsoft.com/office/powerpoint/2010/main" xmlns:p15="http://schemas.microsoft.com/office/powerpoint/2012/main" xmlns:ahyp="http://schemas.microsoft.com/office/drawing/2018/hyperlinkcolor" showMasterPhAnim="0" showMasterSp="0">
+  <p:cSld>
+    <p:spTree>
+      <p:nvGrpSpPr>
+        <p:cNvPr id="90" name="Shape 90"/>
+        <p:cNvGrpSpPr/>
+        <p:nvPr/>
+      </p:nvGrpSpPr>
+      <p:grpSpPr>
+        <a:xfrm>
+          <a:off x="0" y="0"/>
+          <a:ext cx="0" cy="0"/>
+          <a:chOff x="0" y="0"/>
+          <a:chExt cx="0" cy="0"/>
+        </a:xfrm>
+      </p:grpSpPr>
+      <p:sp>
+        <p:nvSpPr>
+          <p:cNvPr id="91" name="Google Shape;91;g1b24119b7c8_0_49:notes"/>
+          <p:cNvSpPr/>
+          <p:nvPr>
+            <p:ph idx="2" type="sldImg"/>
+          </p:nvPr>
+        </p:nvSpPr>
+        <p:spPr>
+          <a:xfrm>
+            <a:off x="381300" y="685800"/>
+            <a:ext cx="6096000" cy="3429000"/>
+          </a:xfrm>
+          <a:custGeom>
+            <a:rect b="b" l="l" r="r" t="t"/>
+            <a:pathLst>
+              <a:path extrusionOk="0" h="120000" w="120000">
+                <a:moveTo>
+                  <a:pt x="0" y="0"/>
+                </a:moveTo>
+                <a:lnTo>
+                  <a:pt x="120000" y="0"/>
+                </a:lnTo>
+                <a:lnTo>
+                  <a:pt x="120000" y="120000"/>
+                </a:lnTo>
+                <a:lnTo>
+                  <a:pt x="0" y="120000"/>
+                </a:lnTo>
+                <a:close/>
+              </a:path>
+            </a:pathLst>
+          </a:custGeom>
+        </p:spPr>
+      </p:sp>
+      <p:sp>
+        <p:nvSpPr>
+          <p:cNvPr id="92" name="Google Shape;92;g1b24119b7c8_0_49:notes"/>
+          <p:cNvSpPr txBox="1"/>
+          <p:nvPr>
+            <p:ph idx="1" type="body"/>
+          </p:nvPr>
+        </p:nvSpPr>
+        <p:spPr>
+          <a:xfrm>
+            <a:off x="685800" y="4343400"/>
+            <a:ext cx="5486400" cy="4114800"/>
+          </a:xfrm>
+          <a:prstGeom prst="rect">
+            <a:avLst/>
+          </a:prstGeom>
+        </p:spPr>
+        <p:txBody>
+          <a:bodyPr anchorCtr="0" anchor="t" bIns="91425" lIns="91425" spcFirstLastPara="1" rIns="91425" wrap="square" tIns="91425">
+            <a:noAutofit/>
+          </a:bodyPr>
+          <a:lstStyle/>
+          <a:p>
+            <a:pPr indent="0" lvl="0" marL="0" rtl="0" algn="l">
+              <a:spcBef>
+                <a:spcPts val="0"/>
+              </a:spcBef>
+              <a:spcAft>
+                <a:spcPts val="0"/>
+              </a:spcAft>
+              <a:buNone/>
+            </a:pPr>
+            <a:r>
+              <a:t/>
+            </a:r>
+            <a:endParaRPr/>
+          </a:p>
+        </p:txBody>
+      </p:sp>
+    </p:spTree>
+  </p:cSld>
+  <p:clrMapOvr>
+    <a:masterClrMapping/>
+  </p:clrMapOvr>
+</p:notes>
+</file>
+
+<file path=ppt/notesSlides/notesSlide8.xml><?xml version="1.0" encoding="utf-8"?>
+<p:notes xmlns:a="http://schemas.openxmlformats.org/drawingml/2006/main" xmlns:r="http://schemas.openxmlformats.org/officeDocument/2006/relationships" xmlns:mc="http://schemas.openxmlformats.org/markup-compatibility/2006" xmlns:mv="urn:schemas-microsoft-com:mac:vml" xmlns:p="http://schemas.openxmlformats.org/presentationml/2006/main" xmlns:c="http://schemas.openxmlformats.org/drawingml/2006/chart" xmlns:dgm="http://schemas.openxmlformats.org/drawingml/2006/diagram" xmlns:o="urn:schemas-microsoft-com:office:office" xmlns:v="urn:schemas-microsoft-com:vml" xmlns:pvml="urn:schemas-microsoft-com:office:powerpoint" xmlns:com="http://schemas.openxmlformats.org/drawingml/2006/compatibility" xmlns:p14="http://schemas.microsoft.com/office/powerpoint/2010/main" xmlns:p15="http://schemas.microsoft.com/office/powerpoint/2012/main" xmlns:ahyp="http://schemas.microsoft.com/office/drawing/2018/hyperlinkcolor" showMasterPhAnim="0" showMasterSp="0">
+  <p:cSld>
+    <p:spTree>
+      <p:nvGrpSpPr>
+        <p:cNvPr id="98" name="Shape 98"/>
+        <p:cNvGrpSpPr/>
+        <p:nvPr/>
+      </p:nvGrpSpPr>
+      <p:grpSpPr>
+        <a:xfrm>
+          <a:off x="0" y="0"/>
+          <a:ext cx="0" cy="0"/>
+          <a:chOff x="0" y="0"/>
+          <a:chExt cx="0" cy="0"/>
+        </a:xfrm>
+      </p:grpSpPr>
+      <p:sp>
+        <p:nvSpPr>
+          <p:cNvPr id="99" name="Google Shape;99;g1b24119b7c8_0_59:notes"/>
+          <p:cNvSpPr/>
+          <p:nvPr>
+            <p:ph idx="2" type="sldImg"/>
+          </p:nvPr>
+        </p:nvSpPr>
+        <p:spPr>
+          <a:xfrm>
+            <a:off x="381300" y="685800"/>
+            <a:ext cx="6096000" cy="3429000"/>
+          </a:xfrm>
+          <a:custGeom>
+            <a:rect b="b" l="l" r="r" t="t"/>
+            <a:pathLst>
+              <a:path extrusionOk="0" h="120000" w="120000">
+                <a:moveTo>
+                  <a:pt x="0" y="0"/>
+                </a:moveTo>
+                <a:lnTo>
+                  <a:pt x="120000" y="0"/>
+                </a:lnTo>
+                <a:lnTo>
+                  <a:pt x="120000" y="120000"/>
+                </a:lnTo>
+                <a:lnTo>
+                  <a:pt x="0" y="120000"/>
+                </a:lnTo>
+                <a:close/>
+              </a:path>
+            </a:pathLst>
+          </a:custGeom>
+        </p:spPr>
+      </p:sp>
+      <p:sp>
+        <p:nvSpPr>
+          <p:cNvPr id="100" name="Google Shape;100;g1b24119b7c8_0_59:notes"/>
+          <p:cNvSpPr txBox="1"/>
+          <p:nvPr>
+            <p:ph idx="1" type="body"/>
+          </p:nvPr>
+        </p:nvSpPr>
+        <p:spPr>
+          <a:xfrm>
+            <a:off x="685800" y="4343400"/>
+            <a:ext cx="5486400" cy="4114800"/>
+          </a:xfrm>
+          <a:prstGeom prst="rect">
+            <a:avLst/>
+          </a:prstGeom>
+        </p:spPr>
+        <p:txBody>
+          <a:bodyPr anchorCtr="0" anchor="t" bIns="91425" lIns="91425" spcFirstLastPara="1" rIns="91425" wrap="square" tIns="91425">
+            <a:noAutofit/>
+          </a:bodyPr>
+          <a:lstStyle/>
+          <a:p>
+            <a:pPr indent="0" lvl="0" marL="0" rtl="0" algn="l">
+              <a:spcBef>
+                <a:spcPts val="0"/>
+              </a:spcBef>
+              <a:spcAft>
+                <a:spcPts val="0"/>
+              </a:spcAft>
+              <a:buNone/>
+            </a:pPr>
+            <a:r>
+              <a:t/>
+            </a:r>
+            <a:endParaRPr/>
+          </a:p>
+        </p:txBody>
+      </p:sp>
+    </p:spTree>
+  </p:cSld>
+  <p:clrMapOvr>
+    <a:masterClrMapping/>
+  </p:clrMapOvr>
+</p:notes>
+</file>
+
+<file path=ppt/notesSlides/notesSlide9.xml><?xml version="1.0" encoding="utf-8"?>
+<p:notes xmlns:a="http://schemas.openxmlformats.org/drawingml/2006/main" xmlns:r="http://schemas.openxmlformats.org/officeDocument/2006/relationships" xmlns:mc="http://schemas.openxmlformats.org/markup-compatibility/2006" xmlns:mv="urn:schemas-microsoft-com:mac:vml" xmlns:p="http://schemas.openxmlformats.org/presentationml/2006/main" xmlns:c="http://schemas.openxmlformats.org/drawingml/2006/chart" xmlns:dgm="http://schemas.openxmlformats.org/drawingml/2006/diagram" xmlns:o="urn:schemas-microsoft-com:office:office" xmlns:v="urn:schemas-microsoft-com:vml" xmlns:pvml="urn:schemas-microsoft-com:office:powerpoint" xmlns:com="http://schemas.openxmlformats.org/drawingml/2006/compatibility" xmlns:p14="http://schemas.microsoft.com/office/powerpoint/2010/main" xmlns:p15="http://schemas.microsoft.com/office/powerpoint/2012/main" xmlns:ahyp="http://schemas.microsoft.com/office/drawing/2018/hyperlinkcolor" showMasterPhAnim="0" showMasterSp="0">
+  <p:cSld>
+    <p:spTree>
+      <p:nvGrpSpPr>
+        <p:cNvPr id="106" name="Shape 106"/>
+        <p:cNvGrpSpPr/>
+        <p:nvPr/>
+      </p:nvGrpSpPr>
+      <p:grpSpPr>
+        <a:xfrm>
+          <a:off x="0" y="0"/>
+          <a:ext cx="0" cy="0"/>
+          <a:chOff x="0" y="0"/>
+          <a:chExt cx="0" cy="0"/>
+        </a:xfrm>
+      </p:grpSpPr>
+      <p:sp>
+        <p:nvSpPr>
+          <p:cNvPr id="107" name="Google Shape;107;g1b24119b7c8_0_67:notes"/>
+          <p:cNvSpPr/>
+          <p:nvPr>
+            <p:ph idx="2" type="sldImg"/>
+          </p:nvPr>
+        </p:nvSpPr>
+        <p:spPr>
+          <a:xfrm>
+            <a:off x="381300" y="685800"/>
+            <a:ext cx="6096000" cy="3429000"/>
+          </a:xfrm>
+          <a:custGeom>
+            <a:rect b="b" l="l" r="r" t="t"/>
+            <a:pathLst>
+              <a:path extrusionOk="0" h="120000" w="120000">
+                <a:moveTo>
+                  <a:pt x="0" y="0"/>
+                </a:moveTo>
+                <a:lnTo>
+                  <a:pt x="120000" y="0"/>
+                </a:lnTo>
+                <a:lnTo>
+                  <a:pt x="120000" y="120000"/>
+                </a:lnTo>
+                <a:lnTo>
+                  <a:pt x="0" y="120000"/>
+                </a:lnTo>
+                <a:close/>
+              </a:path>
+            </a:pathLst>
+          </a:custGeom>
+        </p:spPr>
+      </p:sp>
+      <p:sp>
+        <p:nvSpPr>
+          <p:cNvPr id="108" name="Google Shape;108;g1b24119b7c8_0_67:notes"/>
           <p:cNvSpPr txBox="1"/>
           <p:nvPr>
             <p:ph idx="1" type="body"/>
@@ -5484,7 +6584,8 @@
               <a:buNone/>
             </a:pPr>
             <a:r>
-              <a:t/>
+              <a:rPr lang="en"/>
+              <a:t>Finding Fraudulent Transactions</a:t>
             </a:r>
             <a:endParaRPr/>
           </a:p>
@@ -5519,6 +6620,280 @@
               </a:spcBef>
               <a:spcAft>
                 <a:spcPts val="0"/>
+              </a:spcAft>
+              <a:buNone/>
+            </a:pPr>
+            <a:r>
+              <a:rPr lang="en"/>
+              <a:t>Tyler Cambron</a:t>
+            </a:r>
+            <a:endParaRPr/>
+          </a:p>
+        </p:txBody>
+      </p:sp>
+    </p:spTree>
+  </p:cSld>
+  <p:clrMapOvr>
+    <a:masterClrMapping/>
+  </p:clrMapOvr>
+</p:sld>
+</file>
+
+<file path=ppt/slides/slide10.xml><?xml version="1.0" encoding="utf-8"?>
+<p:sld xmlns:a="http://schemas.openxmlformats.org/drawingml/2006/main" xmlns:r="http://schemas.openxmlformats.org/officeDocument/2006/relationships" xmlns:mc="http://schemas.openxmlformats.org/markup-compatibility/2006" xmlns:mv="urn:schemas-microsoft-com:mac:vml" xmlns:p="http://schemas.openxmlformats.org/presentationml/2006/main" xmlns:c="http://schemas.openxmlformats.org/drawingml/2006/chart" xmlns:dgm="http://schemas.openxmlformats.org/drawingml/2006/diagram" xmlns:o="urn:schemas-microsoft-com:office:office" xmlns:v="urn:schemas-microsoft-com:vml" xmlns:pvml="urn:schemas-microsoft-com:office:powerpoint" xmlns:com="http://schemas.openxmlformats.org/drawingml/2006/compatibility" xmlns:p14="http://schemas.microsoft.com/office/powerpoint/2010/main" xmlns:p15="http://schemas.microsoft.com/office/powerpoint/2012/main" xmlns:ahyp="http://schemas.microsoft.com/office/drawing/2018/hyperlinkcolor">
+  <p:cSld>
+    <p:spTree>
+      <p:nvGrpSpPr>
+        <p:cNvPr id="118" name="Shape 118"/>
+        <p:cNvGrpSpPr/>
+        <p:nvPr/>
+      </p:nvGrpSpPr>
+      <p:grpSpPr>
+        <a:xfrm>
+          <a:off x="0" y="0"/>
+          <a:ext cx="0" cy="0"/>
+          <a:chOff x="0" y="0"/>
+          <a:chExt cx="0" cy="0"/>
+        </a:xfrm>
+      </p:grpSpPr>
+      <p:sp>
+        <p:nvSpPr>
+          <p:cNvPr id="119" name="Google Shape;119;p22"/>
+          <p:cNvSpPr txBox="1"/>
+          <p:nvPr>
+            <p:ph type="title"/>
+          </p:nvPr>
+        </p:nvSpPr>
+        <p:spPr>
+          <a:xfrm>
+            <a:off x="311700" y="445025"/>
+            <a:ext cx="8520600" cy="572700"/>
+          </a:xfrm>
+          <a:prstGeom prst="rect">
+            <a:avLst/>
+          </a:prstGeom>
+        </p:spPr>
+        <p:txBody>
+          <a:bodyPr anchorCtr="0" anchor="t" bIns="91425" lIns="91425" spcFirstLastPara="1" rIns="91425" wrap="square" tIns="91425">
+            <a:normAutofit fontScale="90000"/>
+          </a:bodyPr>
+          <a:lstStyle/>
+          <a:p>
+            <a:pPr indent="0" lvl="0" marL="0" rtl="0" algn="l">
+              <a:spcBef>
+                <a:spcPts val="0"/>
+              </a:spcBef>
+              <a:spcAft>
+                <a:spcPts val="0"/>
+              </a:spcAft>
+              <a:buNone/>
+            </a:pPr>
+            <a:r>
+              <a:rPr lang="en"/>
+              <a:t>Multi-Layer Perceptron</a:t>
+            </a:r>
+            <a:endParaRPr/>
+          </a:p>
+        </p:txBody>
+      </p:sp>
+      <p:pic>
+        <p:nvPicPr>
+          <p:cNvPr id="120" name="Google Shape;120;p22"/>
+          <p:cNvPicPr preferRelativeResize="0"/>
+          <p:nvPr/>
+        </p:nvPicPr>
+        <p:blipFill>
+          <a:blip r:embed="rId3">
+            <a:alphaModFix/>
+          </a:blip>
+          <a:stretch>
+            <a:fillRect/>
+          </a:stretch>
+        </p:blipFill>
+        <p:spPr>
+          <a:xfrm>
+            <a:off x="311700" y="1017725"/>
+            <a:ext cx="5191125" cy="3228975"/>
+          </a:xfrm>
+          <a:prstGeom prst="rect">
+            <a:avLst/>
+          </a:prstGeom>
+          <a:noFill/>
+          <a:ln>
+            <a:noFill/>
+          </a:ln>
+        </p:spPr>
+      </p:pic>
+      <p:pic>
+        <p:nvPicPr>
+          <p:cNvPr id="121" name="Google Shape;121;p22"/>
+          <p:cNvPicPr preferRelativeResize="0"/>
+          <p:nvPr/>
+        </p:nvPicPr>
+        <p:blipFill>
+          <a:blip r:embed="rId4">
+            <a:alphaModFix/>
+          </a:blip>
+          <a:stretch>
+            <a:fillRect/>
+          </a:stretch>
+        </p:blipFill>
+        <p:spPr>
+          <a:xfrm>
+            <a:off x="5502825" y="1408925"/>
+            <a:ext cx="3336375" cy="2654147"/>
+          </a:xfrm>
+          <a:prstGeom prst="rect">
+            <a:avLst/>
+          </a:prstGeom>
+          <a:noFill/>
+          <a:ln>
+            <a:noFill/>
+          </a:ln>
+        </p:spPr>
+      </p:pic>
+    </p:spTree>
+  </p:cSld>
+  <p:clrMapOvr>
+    <a:masterClrMapping/>
+  </p:clrMapOvr>
+</p:sld>
+</file>
+
+<file path=ppt/slides/slide11.xml><?xml version="1.0" encoding="utf-8"?>
+<p:sld xmlns:a="http://schemas.openxmlformats.org/drawingml/2006/main" xmlns:r="http://schemas.openxmlformats.org/officeDocument/2006/relationships" xmlns:mc="http://schemas.openxmlformats.org/markup-compatibility/2006" xmlns:mv="urn:schemas-microsoft-com:mac:vml" xmlns:p="http://schemas.openxmlformats.org/presentationml/2006/main" xmlns:c="http://schemas.openxmlformats.org/drawingml/2006/chart" xmlns:dgm="http://schemas.openxmlformats.org/drawingml/2006/diagram" xmlns:o="urn:schemas-microsoft-com:office:office" xmlns:v="urn:schemas-microsoft-com:vml" xmlns:pvml="urn:schemas-microsoft-com:office:powerpoint" xmlns:com="http://schemas.openxmlformats.org/drawingml/2006/compatibility" xmlns:p14="http://schemas.microsoft.com/office/powerpoint/2010/main" xmlns:p15="http://schemas.microsoft.com/office/powerpoint/2012/main" xmlns:ahyp="http://schemas.microsoft.com/office/drawing/2018/hyperlinkcolor">
+  <p:cSld>
+    <p:spTree>
+      <p:nvGrpSpPr>
+        <p:cNvPr id="125" name="Shape 125"/>
+        <p:cNvGrpSpPr/>
+        <p:nvPr/>
+      </p:nvGrpSpPr>
+      <p:grpSpPr>
+        <a:xfrm>
+          <a:off x="0" y="0"/>
+          <a:ext cx="0" cy="0"/>
+          <a:chOff x="0" y="0"/>
+          <a:chExt cx="0" cy="0"/>
+        </a:xfrm>
+      </p:grpSpPr>
+      <p:sp>
+        <p:nvSpPr>
+          <p:cNvPr id="126" name="Google Shape;126;p23"/>
+          <p:cNvSpPr txBox="1"/>
+          <p:nvPr>
+            <p:ph type="title"/>
+          </p:nvPr>
+        </p:nvSpPr>
+        <p:spPr>
+          <a:xfrm>
+            <a:off x="311700" y="445025"/>
+            <a:ext cx="8520600" cy="572700"/>
+          </a:xfrm>
+          <a:prstGeom prst="rect">
+            <a:avLst/>
+          </a:prstGeom>
+        </p:spPr>
+        <p:txBody>
+          <a:bodyPr anchorCtr="0" anchor="t" bIns="91425" lIns="91425" spcFirstLastPara="1" rIns="91425" wrap="square" tIns="91425">
+            <a:normAutofit fontScale="90000"/>
+          </a:bodyPr>
+          <a:lstStyle/>
+          <a:p>
+            <a:pPr indent="0" lvl="0" marL="0" rtl="0" algn="l">
+              <a:spcBef>
+                <a:spcPts val="0"/>
+              </a:spcBef>
+              <a:spcAft>
+                <a:spcPts val="0"/>
+              </a:spcAft>
+              <a:buNone/>
+            </a:pPr>
+            <a:r>
+              <a:rPr lang="en"/>
+              <a:t>Models</a:t>
+            </a:r>
+            <a:endParaRPr/>
+          </a:p>
+        </p:txBody>
+      </p:sp>
+      <p:sp>
+        <p:nvSpPr>
+          <p:cNvPr id="127" name="Google Shape;127;p23"/>
+          <p:cNvSpPr txBox="1"/>
+          <p:nvPr>
+            <p:ph idx="1" type="body"/>
+          </p:nvPr>
+        </p:nvSpPr>
+        <p:spPr>
+          <a:xfrm>
+            <a:off x="311700" y="1152475"/>
+            <a:ext cx="8520600" cy="3416400"/>
+          </a:xfrm>
+          <a:prstGeom prst="rect">
+            <a:avLst/>
+          </a:prstGeom>
+        </p:spPr>
+        <p:txBody>
+          <a:bodyPr anchorCtr="0" anchor="t" bIns="91425" lIns="91425" spcFirstLastPara="1" rIns="91425" wrap="square" tIns="91425">
+            <a:normAutofit/>
+          </a:bodyPr>
+          <a:lstStyle/>
+          <a:p>
+            <a:pPr indent="0" lvl="0" marL="0" rtl="0" algn="l">
+              <a:spcBef>
+                <a:spcPts val="0"/>
+              </a:spcBef>
+              <a:spcAft>
+                <a:spcPts val="0"/>
+              </a:spcAft>
+              <a:buNone/>
+            </a:pPr>
+            <a:r>
+              <a:rPr lang="en"/>
+              <a:t>Every model scored abnormally high.</a:t>
+            </a:r>
+            <a:endParaRPr/>
+          </a:p>
+          <a:p>
+            <a:pPr indent="0" lvl="0" marL="0" rtl="0" algn="l">
+              <a:spcBef>
+                <a:spcPts val="1200"/>
+              </a:spcBef>
+              <a:spcAft>
+                <a:spcPts val="0"/>
+              </a:spcAft>
+              <a:buNone/>
+            </a:pPr>
+            <a:r>
+              <a:rPr lang="en"/>
+              <a:t>Decision Tree is the highest scoring model by 0.000005. Barely scoring higher than the Random Forest. (0.99997 vs. 0.999965)</a:t>
+            </a:r>
+            <a:endParaRPr/>
+          </a:p>
+          <a:p>
+            <a:pPr indent="0" lvl="0" marL="0" rtl="0" algn="l">
+              <a:spcBef>
+                <a:spcPts val="1200"/>
+              </a:spcBef>
+              <a:spcAft>
+                <a:spcPts val="0"/>
+              </a:spcAft>
+              <a:buNone/>
+            </a:pPr>
+            <a:r>
+              <a:rPr lang="en"/>
+              <a:t>Lowest scoring model shows to be the Support Vector Machine.</a:t>
+            </a:r>
+            <a:endParaRPr/>
+          </a:p>
+          <a:p>
+            <a:pPr indent="0" lvl="0" marL="0" rtl="0" algn="l">
+              <a:spcBef>
+                <a:spcPts val="1200"/>
+              </a:spcBef>
+              <a:spcAft>
+                <a:spcPts val="1200"/>
               </a:spcAft>
               <a:buNone/>
             </a:pPr>
@@ -5537,7 +6912,2205 @@
 </p:sld>
 </file>
 
+<file path=ppt/slides/slide12.xml><?xml version="1.0" encoding="utf-8"?>
+<p:sld xmlns:a="http://schemas.openxmlformats.org/drawingml/2006/main" xmlns:r="http://schemas.openxmlformats.org/officeDocument/2006/relationships" xmlns:mc="http://schemas.openxmlformats.org/markup-compatibility/2006" xmlns:mv="urn:schemas-microsoft-com:mac:vml" xmlns:p="http://schemas.openxmlformats.org/presentationml/2006/main" xmlns:c="http://schemas.openxmlformats.org/drawingml/2006/chart" xmlns:dgm="http://schemas.openxmlformats.org/drawingml/2006/diagram" xmlns:o="urn:schemas-microsoft-com:office:office" xmlns:v="urn:schemas-microsoft-com:vml" xmlns:pvml="urn:schemas-microsoft-com:office:powerpoint" xmlns:com="http://schemas.openxmlformats.org/drawingml/2006/compatibility" xmlns:p14="http://schemas.microsoft.com/office/powerpoint/2010/main" xmlns:p15="http://schemas.microsoft.com/office/powerpoint/2012/main" xmlns:ahyp="http://schemas.microsoft.com/office/drawing/2018/hyperlinkcolor">
+  <p:cSld>
+    <p:spTree>
+      <p:nvGrpSpPr>
+        <p:cNvPr id="131" name="Shape 131"/>
+        <p:cNvGrpSpPr/>
+        <p:nvPr/>
+      </p:nvGrpSpPr>
+      <p:grpSpPr>
+        <a:xfrm>
+          <a:off x="0" y="0"/>
+          <a:ext cx="0" cy="0"/>
+          <a:chOff x="0" y="0"/>
+          <a:chExt cx="0" cy="0"/>
+        </a:xfrm>
+      </p:grpSpPr>
+      <p:sp>
+        <p:nvSpPr>
+          <p:cNvPr id="132" name="Google Shape;132;p24"/>
+          <p:cNvSpPr txBox="1"/>
+          <p:nvPr>
+            <p:ph type="title"/>
+          </p:nvPr>
+        </p:nvSpPr>
+        <p:spPr>
+          <a:xfrm>
+            <a:off x="311700" y="445025"/>
+            <a:ext cx="8520600" cy="572700"/>
+          </a:xfrm>
+          <a:prstGeom prst="rect">
+            <a:avLst/>
+          </a:prstGeom>
+        </p:spPr>
+        <p:txBody>
+          <a:bodyPr anchorCtr="0" anchor="t" bIns="91425" lIns="91425" spcFirstLastPara="1" rIns="91425" wrap="square" tIns="91425">
+            <a:normAutofit fontScale="90000"/>
+          </a:bodyPr>
+          <a:lstStyle/>
+          <a:p>
+            <a:pPr indent="0" lvl="0" marL="0" rtl="0" algn="l">
+              <a:spcBef>
+                <a:spcPts val="0"/>
+              </a:spcBef>
+              <a:spcAft>
+                <a:spcPts val="0"/>
+              </a:spcAft>
+              <a:buNone/>
+            </a:pPr>
+            <a:r>
+              <a:rPr lang="en"/>
+              <a:t>Sources</a:t>
+            </a:r>
+            <a:endParaRPr/>
+          </a:p>
+        </p:txBody>
+      </p:sp>
+      <p:sp>
+        <p:nvSpPr>
+          <p:cNvPr id="133" name="Google Shape;133;p24"/>
+          <p:cNvSpPr txBox="1"/>
+          <p:nvPr>
+            <p:ph idx="1" type="body"/>
+          </p:nvPr>
+        </p:nvSpPr>
+        <p:spPr>
+          <a:xfrm>
+            <a:off x="311700" y="1152475"/>
+            <a:ext cx="8520600" cy="3416400"/>
+          </a:xfrm>
+          <a:prstGeom prst="rect">
+            <a:avLst/>
+          </a:prstGeom>
+        </p:spPr>
+        <p:txBody>
+          <a:bodyPr anchorCtr="0" anchor="t" bIns="91425" lIns="91425" spcFirstLastPara="1" rIns="91425" wrap="square" tIns="91425">
+            <a:normAutofit/>
+          </a:bodyPr>
+          <a:lstStyle/>
+          <a:p>
+            <a:pPr indent="0" lvl="0" marL="0" rtl="0" algn="l">
+              <a:spcBef>
+                <a:spcPts val="0"/>
+              </a:spcBef>
+              <a:spcAft>
+                <a:spcPts val="0"/>
+              </a:spcAft>
+              <a:buNone/>
+            </a:pPr>
+            <a:r>
+              <a:rPr lang="en" u="sng">
+                <a:solidFill>
+                  <a:schemeClr val="accent5"/>
+                </a:solidFill>
+                <a:hlinkClick r:id="rId3">
+                  <a:extLst>
+                    <a:ext uri="{A12FA001-AC4F-418D-AE19-62706E023703}">
+                      <ahyp:hlinkClr val="tx"/>
+                    </a:ext>
+                  </a:extLst>
+                </a:hlinkClick>
+              </a:rPr>
+              <a:t>https://www.kaggle.com/datasets/dhanushnarayananr/credit-card-fraud</a:t>
+            </a:r>
+            <a:endParaRPr/>
+          </a:p>
+          <a:p>
+            <a:pPr indent="0" lvl="0" marL="0" rtl="0" algn="l">
+              <a:spcBef>
+                <a:spcPts val="1200"/>
+              </a:spcBef>
+              <a:spcAft>
+                <a:spcPts val="0"/>
+              </a:spcAft>
+              <a:buNone/>
+            </a:pPr>
+            <a:r>
+              <a:rPr lang="en"/>
+              <a:t>Learn: Machine learning in python - scikit-learn 0.16.1 documentation. scikit. (n.d.). Retrieved December 11, 2022, from https://scikit-learn.org/ </a:t>
+            </a:r>
+            <a:endParaRPr/>
+          </a:p>
+          <a:p>
+            <a:pPr indent="0" lvl="0" marL="0" rtl="0" algn="l">
+              <a:spcBef>
+                <a:spcPts val="1200"/>
+              </a:spcBef>
+              <a:spcAft>
+                <a:spcPts val="0"/>
+              </a:spcAft>
+              <a:buNone/>
+            </a:pPr>
+            <a:r>
+              <a:t/>
+            </a:r>
+            <a:endParaRPr/>
+          </a:p>
+          <a:p>
+            <a:pPr indent="0" lvl="0" marL="0" rtl="0" algn="l">
+              <a:spcBef>
+                <a:spcPts val="1200"/>
+              </a:spcBef>
+              <a:spcAft>
+                <a:spcPts val="1200"/>
+              </a:spcAft>
+              <a:buClr>
+                <a:schemeClr val="dk1"/>
+              </a:buClr>
+              <a:buSzPts val="1100"/>
+              <a:buFont typeface="Arial"/>
+              <a:buNone/>
+            </a:pPr>
+            <a:r>
+              <a:t/>
+            </a:r>
+            <a:endParaRPr/>
+          </a:p>
+        </p:txBody>
+      </p:sp>
+    </p:spTree>
+  </p:cSld>
+  <p:clrMapOvr>
+    <a:masterClrMapping/>
+  </p:clrMapOvr>
+</p:sld>
+</file>
+
+<file path=ppt/slides/slide2.xml><?xml version="1.0" encoding="utf-8"?>
+<p:sld xmlns:a="http://schemas.openxmlformats.org/drawingml/2006/main" xmlns:r="http://schemas.openxmlformats.org/officeDocument/2006/relationships" xmlns:mc="http://schemas.openxmlformats.org/markup-compatibility/2006" xmlns:mv="urn:schemas-microsoft-com:mac:vml" xmlns:p="http://schemas.openxmlformats.org/presentationml/2006/main" xmlns:c="http://schemas.openxmlformats.org/drawingml/2006/chart" xmlns:dgm="http://schemas.openxmlformats.org/drawingml/2006/diagram" xmlns:o="urn:schemas-microsoft-com:office:office" xmlns:v="urn:schemas-microsoft-com:vml" xmlns:pvml="urn:schemas-microsoft-com:office:powerpoint" xmlns:com="http://schemas.openxmlformats.org/drawingml/2006/compatibility" xmlns:p14="http://schemas.microsoft.com/office/powerpoint/2010/main" xmlns:p15="http://schemas.microsoft.com/office/powerpoint/2012/main" xmlns:ahyp="http://schemas.microsoft.com/office/drawing/2018/hyperlinkcolor">
+  <p:cSld>
+    <p:spTree>
+      <p:nvGrpSpPr>
+        <p:cNvPr id="59" name="Shape 59"/>
+        <p:cNvGrpSpPr/>
+        <p:nvPr/>
+      </p:nvGrpSpPr>
+      <p:grpSpPr>
+        <a:xfrm>
+          <a:off x="0" y="0"/>
+          <a:ext cx="0" cy="0"/>
+          <a:chOff x="0" y="0"/>
+          <a:chExt cx="0" cy="0"/>
+        </a:xfrm>
+      </p:grpSpPr>
+      <p:sp>
+        <p:nvSpPr>
+          <p:cNvPr id="60" name="Google Shape;60;p14"/>
+          <p:cNvSpPr txBox="1"/>
+          <p:nvPr>
+            <p:ph type="title"/>
+          </p:nvPr>
+        </p:nvSpPr>
+        <p:spPr>
+          <a:xfrm>
+            <a:off x="311700" y="445025"/>
+            <a:ext cx="8520600" cy="572700"/>
+          </a:xfrm>
+          <a:prstGeom prst="rect">
+            <a:avLst/>
+          </a:prstGeom>
+        </p:spPr>
+        <p:txBody>
+          <a:bodyPr anchorCtr="0" anchor="t" bIns="91425" lIns="91425" spcFirstLastPara="1" rIns="91425" wrap="square" tIns="91425">
+            <a:normAutofit fontScale="90000"/>
+          </a:bodyPr>
+          <a:lstStyle/>
+          <a:p>
+            <a:pPr indent="0" lvl="0" marL="0" rtl="0" algn="l">
+              <a:spcBef>
+                <a:spcPts val="0"/>
+              </a:spcBef>
+              <a:spcAft>
+                <a:spcPts val="0"/>
+              </a:spcAft>
+              <a:buNone/>
+            </a:pPr>
+            <a:r>
+              <a:rPr lang="en"/>
+              <a:t>Dataset</a:t>
+            </a:r>
+            <a:endParaRPr/>
+          </a:p>
+        </p:txBody>
+      </p:sp>
+      <p:sp>
+        <p:nvSpPr>
+          <p:cNvPr id="61" name="Google Shape;61;p14"/>
+          <p:cNvSpPr txBox="1"/>
+          <p:nvPr>
+            <p:ph idx="1" type="body"/>
+          </p:nvPr>
+        </p:nvSpPr>
+        <p:spPr>
+          <a:xfrm>
+            <a:off x="311700" y="1152475"/>
+            <a:ext cx="8520600" cy="3990900"/>
+          </a:xfrm>
+          <a:prstGeom prst="rect">
+            <a:avLst/>
+          </a:prstGeom>
+        </p:spPr>
+        <p:txBody>
+          <a:bodyPr anchorCtr="0" anchor="t" bIns="91425" lIns="91425" spcFirstLastPara="1" rIns="91425" wrap="square" tIns="91425">
+            <a:normAutofit/>
+          </a:bodyPr>
+          <a:lstStyle/>
+          <a:p>
+            <a:pPr indent="0" lvl="0" marL="0" rtl="0" algn="l">
+              <a:spcBef>
+                <a:spcPts val="0"/>
+              </a:spcBef>
+              <a:spcAft>
+                <a:spcPts val="0"/>
+              </a:spcAft>
+              <a:buNone/>
+            </a:pPr>
+            <a:r>
+              <a:rPr lang="en" u="sng">
+                <a:solidFill>
+                  <a:schemeClr val="hlink"/>
+                </a:solidFill>
+                <a:hlinkClick r:id="rId3"/>
+              </a:rPr>
+              <a:t>https://www.kaggle.com/datasets/dhanushnarayananr/credit-card-fraud</a:t>
+            </a:r>
+            <a:endParaRPr/>
+          </a:p>
+          <a:p>
+            <a:pPr indent="0" lvl="0" marL="0" rtl="0" algn="l">
+              <a:spcBef>
+                <a:spcPts val="1200"/>
+              </a:spcBef>
+              <a:spcAft>
+                <a:spcPts val="0"/>
+              </a:spcAft>
+              <a:buNone/>
+            </a:pPr>
+            <a:r>
+              <a:rPr lang="en"/>
+              <a:t>Transactions and their attributes are saved in this dataset with a classification of being fraudulent or not.</a:t>
+            </a:r>
+            <a:endParaRPr/>
+          </a:p>
+          <a:p>
+            <a:pPr indent="0" lvl="0" marL="0" rtl="0" algn="l">
+              <a:spcBef>
+                <a:spcPts val="1200"/>
+              </a:spcBef>
+              <a:spcAft>
+                <a:spcPts val="0"/>
+              </a:spcAft>
+              <a:buNone/>
+            </a:pPr>
+            <a:r>
+              <a:rPr lang="en"/>
+              <a:t>Even as security gets better, the United States Federal Trade Commission received more than 5.88 million fraud reports in 2021.</a:t>
+            </a:r>
+            <a:endParaRPr/>
+          </a:p>
+          <a:p>
+            <a:pPr indent="0" lvl="0" marL="0" rtl="0" algn="l">
+              <a:spcBef>
+                <a:spcPts val="1200"/>
+              </a:spcBef>
+              <a:spcAft>
+                <a:spcPts val="0"/>
+              </a:spcAft>
+              <a:buNone/>
+            </a:pPr>
+            <a:r>
+              <a:rPr lang="en"/>
+              <a:t>1,000,000 total entries across 8 columns. </a:t>
+            </a:r>
+            <a:endParaRPr/>
+          </a:p>
+          <a:p>
+            <a:pPr indent="0" lvl="0" marL="0" rtl="0" algn="l">
+              <a:spcBef>
+                <a:spcPts val="1200"/>
+              </a:spcBef>
+              <a:spcAft>
+                <a:spcPts val="0"/>
+              </a:spcAft>
+              <a:buNone/>
+            </a:pPr>
+            <a:r>
+              <a:rPr lang="en"/>
+              <a:t>Usability Score: 9.41</a:t>
+            </a:r>
+            <a:endParaRPr/>
+          </a:p>
+          <a:p>
+            <a:pPr indent="0" lvl="0" marL="0" rtl="0" algn="l">
+              <a:spcBef>
+                <a:spcPts val="1200"/>
+              </a:spcBef>
+              <a:spcAft>
+                <a:spcPts val="0"/>
+              </a:spcAft>
+              <a:buNone/>
+            </a:pPr>
+            <a:r>
+              <a:rPr lang="en"/>
+              <a:t>Created by Indian Software Developer, Dhanush Narayanan R.</a:t>
+            </a:r>
+            <a:endParaRPr/>
+          </a:p>
+          <a:p>
+            <a:pPr indent="0" lvl="0" marL="0" rtl="0" algn="l">
+              <a:spcBef>
+                <a:spcPts val="1200"/>
+              </a:spcBef>
+              <a:spcAft>
+                <a:spcPts val="1200"/>
+              </a:spcAft>
+              <a:buNone/>
+            </a:pPr>
+            <a:r>
+              <a:t/>
+            </a:r>
+            <a:endParaRPr/>
+          </a:p>
+        </p:txBody>
+      </p:sp>
+    </p:spTree>
+  </p:cSld>
+  <p:clrMapOvr>
+    <a:masterClrMapping/>
+  </p:clrMapOvr>
+</p:sld>
+</file>
+
+<file path=ppt/slides/slide3.xml><?xml version="1.0" encoding="utf-8"?>
+<p:sld xmlns:a="http://schemas.openxmlformats.org/drawingml/2006/main" xmlns:r="http://schemas.openxmlformats.org/officeDocument/2006/relationships" xmlns:mc="http://schemas.openxmlformats.org/markup-compatibility/2006" xmlns:mv="urn:schemas-microsoft-com:mac:vml" xmlns:p="http://schemas.openxmlformats.org/presentationml/2006/main" xmlns:c="http://schemas.openxmlformats.org/drawingml/2006/chart" xmlns:dgm="http://schemas.openxmlformats.org/drawingml/2006/diagram" xmlns:o="urn:schemas-microsoft-com:office:office" xmlns:v="urn:schemas-microsoft-com:vml" xmlns:pvml="urn:schemas-microsoft-com:office:powerpoint" xmlns:com="http://schemas.openxmlformats.org/drawingml/2006/compatibility" xmlns:p14="http://schemas.microsoft.com/office/powerpoint/2010/main" xmlns:p15="http://schemas.microsoft.com/office/powerpoint/2012/main" xmlns:ahyp="http://schemas.microsoft.com/office/drawing/2018/hyperlinkcolor">
+  <p:cSld>
+    <p:spTree>
+      <p:nvGrpSpPr>
+        <p:cNvPr id="65" name="Shape 65"/>
+        <p:cNvGrpSpPr/>
+        <p:nvPr/>
+      </p:nvGrpSpPr>
+      <p:grpSpPr>
+        <a:xfrm>
+          <a:off x="0" y="0"/>
+          <a:ext cx="0" cy="0"/>
+          <a:chOff x="0" y="0"/>
+          <a:chExt cx="0" cy="0"/>
+        </a:xfrm>
+      </p:grpSpPr>
+      <p:sp>
+        <p:nvSpPr>
+          <p:cNvPr id="66" name="Google Shape;66;p15"/>
+          <p:cNvSpPr txBox="1"/>
+          <p:nvPr>
+            <p:ph type="title"/>
+          </p:nvPr>
+        </p:nvSpPr>
+        <p:spPr>
+          <a:xfrm>
+            <a:off x="311700" y="445025"/>
+            <a:ext cx="8520600" cy="572700"/>
+          </a:xfrm>
+          <a:prstGeom prst="rect">
+            <a:avLst/>
+          </a:prstGeom>
+        </p:spPr>
+        <p:txBody>
+          <a:bodyPr anchorCtr="0" anchor="t" bIns="91425" lIns="91425" spcFirstLastPara="1" rIns="91425" wrap="square" tIns="91425">
+            <a:normAutofit fontScale="90000"/>
+          </a:bodyPr>
+          <a:lstStyle/>
+          <a:p>
+            <a:pPr indent="0" lvl="0" marL="0" rtl="0" algn="l">
+              <a:spcBef>
+                <a:spcPts val="0"/>
+              </a:spcBef>
+              <a:spcAft>
+                <a:spcPts val="0"/>
+              </a:spcAft>
+              <a:buNone/>
+            </a:pPr>
+            <a:r>
+              <a:rPr lang="en"/>
+              <a:t>Dataset</a:t>
+            </a:r>
+            <a:endParaRPr/>
+          </a:p>
+        </p:txBody>
+      </p:sp>
+      <p:sp>
+        <p:nvSpPr>
+          <p:cNvPr id="67" name="Google Shape;67;p15"/>
+          <p:cNvSpPr txBox="1"/>
+          <p:nvPr>
+            <p:ph idx="1" type="body"/>
+          </p:nvPr>
+        </p:nvSpPr>
+        <p:spPr>
+          <a:xfrm>
+            <a:off x="311700" y="1017725"/>
+            <a:ext cx="8520600" cy="3786600"/>
+          </a:xfrm>
+          <a:prstGeom prst="rect">
+            <a:avLst/>
+          </a:prstGeom>
+        </p:spPr>
+        <p:txBody>
+          <a:bodyPr anchorCtr="0" anchor="t" bIns="91425" lIns="91425" spcFirstLastPara="1" rIns="91425" wrap="square" tIns="91425">
+            <a:normAutofit/>
+          </a:bodyPr>
+          <a:lstStyle/>
+          <a:p>
+            <a:pPr indent="0" lvl="0" marL="0" rtl="0" algn="l">
+              <a:spcBef>
+                <a:spcPts val="0"/>
+              </a:spcBef>
+              <a:spcAft>
+                <a:spcPts val="0"/>
+              </a:spcAft>
+              <a:buNone/>
+            </a:pPr>
+            <a:r>
+              <a:rPr lang="en"/>
+              <a:t>The </a:t>
+            </a:r>
+            <a:r>
+              <a:rPr lang="en"/>
+              <a:t>8 </a:t>
+            </a:r>
+            <a:r>
+              <a:rPr lang="en"/>
+              <a:t>columns are:</a:t>
+            </a:r>
+            <a:endParaRPr/>
+          </a:p>
+          <a:p>
+            <a:pPr indent="-342900" lvl="0" marL="457200" rtl="0" algn="l">
+              <a:spcBef>
+                <a:spcPts val="1200"/>
+              </a:spcBef>
+              <a:spcAft>
+                <a:spcPts val="0"/>
+              </a:spcAft>
+              <a:buSzPts val="1800"/>
+              <a:buChar char="-"/>
+            </a:pPr>
+            <a:r>
+              <a:rPr b="1" lang="en"/>
+              <a:t>“</a:t>
+            </a:r>
+            <a:r>
+              <a:rPr b="1" lang="en"/>
+              <a:t>d</a:t>
+            </a:r>
+            <a:r>
+              <a:rPr b="1" lang="en"/>
+              <a:t>istance_from_home”</a:t>
+            </a:r>
+            <a:r>
+              <a:rPr lang="en"/>
+              <a:t>: Transaction distance from account holder’s home.</a:t>
+            </a:r>
+            <a:endParaRPr/>
+          </a:p>
+          <a:p>
+            <a:pPr indent="-342900" lvl="0" marL="457200" rtl="0" algn="l">
+              <a:spcBef>
+                <a:spcPts val="0"/>
+              </a:spcBef>
+              <a:spcAft>
+                <a:spcPts val="0"/>
+              </a:spcAft>
+              <a:buSzPts val="1800"/>
+              <a:buChar char="-"/>
+            </a:pPr>
+            <a:r>
+              <a:rPr b="1" lang="en"/>
+              <a:t>“</a:t>
+            </a:r>
+            <a:r>
+              <a:rPr b="1" lang="en"/>
+              <a:t>d</a:t>
+            </a:r>
+            <a:r>
+              <a:rPr b="1" lang="en"/>
+              <a:t>istance_from_last_transaction”</a:t>
+            </a:r>
+            <a:r>
+              <a:rPr lang="en"/>
+              <a:t>: Transaction distance from last transaction.</a:t>
+            </a:r>
+            <a:endParaRPr/>
+          </a:p>
+          <a:p>
+            <a:pPr indent="-342900" lvl="0" marL="457200" rtl="0" algn="l">
+              <a:spcBef>
+                <a:spcPts val="0"/>
+              </a:spcBef>
+              <a:spcAft>
+                <a:spcPts val="0"/>
+              </a:spcAft>
+              <a:buSzPts val="1800"/>
+              <a:buChar char="-"/>
+            </a:pPr>
+            <a:r>
+              <a:rPr b="1" lang="en"/>
+              <a:t>“</a:t>
+            </a:r>
+            <a:r>
+              <a:rPr b="1" lang="en"/>
+              <a:t>r</a:t>
+            </a:r>
+            <a:r>
+              <a:rPr b="1" lang="en"/>
+              <a:t>atio_to_median_purchase_price”</a:t>
+            </a:r>
+            <a:r>
+              <a:rPr lang="en"/>
+              <a:t>: A ratio in decimal form of how the transaction price compares to account median.</a:t>
+            </a:r>
+            <a:endParaRPr/>
+          </a:p>
+          <a:p>
+            <a:pPr indent="-342900" lvl="0" marL="457200" rtl="0" algn="l">
+              <a:spcBef>
+                <a:spcPts val="0"/>
+              </a:spcBef>
+              <a:spcAft>
+                <a:spcPts val="0"/>
+              </a:spcAft>
+              <a:buSzPts val="1800"/>
+              <a:buChar char="-"/>
+            </a:pPr>
+            <a:r>
+              <a:rPr b="1" lang="en"/>
+              <a:t>“</a:t>
+            </a:r>
+            <a:r>
+              <a:rPr b="1" lang="en"/>
+              <a:t>r</a:t>
+            </a:r>
+            <a:r>
+              <a:rPr b="1" lang="en"/>
+              <a:t>epeat_retailer”: </a:t>
+            </a:r>
+            <a:r>
+              <a:rPr lang="en"/>
+              <a:t>Binary classification if a repeat shopper.</a:t>
+            </a:r>
+            <a:endParaRPr b="1"/>
+          </a:p>
+          <a:p>
+            <a:pPr indent="-342900" lvl="0" marL="457200" rtl="0" algn="l">
+              <a:spcBef>
+                <a:spcPts val="0"/>
+              </a:spcBef>
+              <a:spcAft>
+                <a:spcPts val="0"/>
+              </a:spcAft>
+              <a:buSzPts val="1800"/>
+              <a:buChar char="-"/>
+            </a:pPr>
+            <a:r>
+              <a:rPr b="1" lang="en"/>
+              <a:t>“</a:t>
+            </a:r>
+            <a:r>
+              <a:rPr b="1" lang="en"/>
+              <a:t>u</a:t>
+            </a:r>
+            <a:r>
+              <a:rPr b="1" lang="en"/>
+              <a:t>sed_chip”:</a:t>
+            </a:r>
+            <a:r>
+              <a:rPr lang="en"/>
+              <a:t> Binary classification if security chip was used.</a:t>
+            </a:r>
+            <a:endParaRPr b="1"/>
+          </a:p>
+          <a:p>
+            <a:pPr indent="-342900" lvl="0" marL="457200" rtl="0" algn="l">
+              <a:spcBef>
+                <a:spcPts val="0"/>
+              </a:spcBef>
+              <a:spcAft>
+                <a:spcPts val="0"/>
+              </a:spcAft>
+              <a:buSzPts val="1800"/>
+              <a:buChar char="-"/>
+            </a:pPr>
+            <a:r>
+              <a:rPr b="1" lang="en"/>
+              <a:t>“</a:t>
+            </a:r>
+            <a:r>
+              <a:rPr b="1" lang="en"/>
+              <a:t>u</a:t>
+            </a:r>
+            <a:r>
+              <a:rPr b="1" lang="en"/>
+              <a:t>sed_pin_number”</a:t>
+            </a:r>
+            <a:r>
+              <a:rPr lang="en"/>
+              <a:t>: Binary classification if security pin was used.</a:t>
+            </a:r>
+            <a:endParaRPr/>
+          </a:p>
+          <a:p>
+            <a:pPr indent="-342900" lvl="0" marL="457200" rtl="0" algn="l">
+              <a:spcBef>
+                <a:spcPts val="0"/>
+              </a:spcBef>
+              <a:spcAft>
+                <a:spcPts val="0"/>
+              </a:spcAft>
+              <a:buSzPts val="1800"/>
+              <a:buChar char="-"/>
+            </a:pPr>
+            <a:r>
+              <a:rPr b="1" lang="en"/>
+              <a:t>“</a:t>
+            </a:r>
+            <a:r>
+              <a:rPr b="1" lang="en"/>
+              <a:t>o</a:t>
+            </a:r>
+            <a:r>
+              <a:rPr b="1" lang="en"/>
+              <a:t>nline_order”</a:t>
+            </a:r>
+            <a:r>
+              <a:rPr lang="en"/>
+              <a:t>: Binary classification if it was ordered online.</a:t>
+            </a:r>
+            <a:endParaRPr/>
+          </a:p>
+          <a:p>
+            <a:pPr indent="-342900" lvl="0" marL="457200" rtl="0" algn="l">
+              <a:spcBef>
+                <a:spcPts val="0"/>
+              </a:spcBef>
+              <a:spcAft>
+                <a:spcPts val="0"/>
+              </a:spcAft>
+              <a:buSzPts val="1800"/>
+              <a:buChar char="-"/>
+            </a:pPr>
+            <a:r>
+              <a:rPr b="1" lang="en"/>
+              <a:t>“</a:t>
+            </a:r>
+            <a:r>
+              <a:rPr b="1" lang="en"/>
+              <a:t>f</a:t>
+            </a:r>
+            <a:r>
+              <a:rPr b="1" lang="en"/>
+              <a:t>raud”</a:t>
+            </a:r>
+            <a:r>
+              <a:rPr lang="en"/>
+              <a:t>: Binary classification if there is a fraudulent transaction.</a:t>
+            </a:r>
+            <a:endParaRPr/>
+          </a:p>
+        </p:txBody>
+      </p:sp>
+    </p:spTree>
+  </p:cSld>
+  <p:clrMapOvr>
+    <a:masterClrMapping/>
+  </p:clrMapOvr>
+</p:sld>
+</file>
+
+<file path=ppt/slides/slide4.xml><?xml version="1.0" encoding="utf-8"?>
+<p:sld xmlns:a="http://schemas.openxmlformats.org/drawingml/2006/main" xmlns:r="http://schemas.openxmlformats.org/officeDocument/2006/relationships" xmlns:mc="http://schemas.openxmlformats.org/markup-compatibility/2006" xmlns:mv="urn:schemas-microsoft-com:mac:vml" xmlns:p="http://schemas.openxmlformats.org/presentationml/2006/main" xmlns:c="http://schemas.openxmlformats.org/drawingml/2006/chart" xmlns:dgm="http://schemas.openxmlformats.org/drawingml/2006/diagram" xmlns:o="urn:schemas-microsoft-com:office:office" xmlns:v="urn:schemas-microsoft-com:vml" xmlns:pvml="urn:schemas-microsoft-com:office:powerpoint" xmlns:com="http://schemas.openxmlformats.org/drawingml/2006/compatibility" xmlns:p14="http://schemas.microsoft.com/office/powerpoint/2010/main" xmlns:p15="http://schemas.microsoft.com/office/powerpoint/2012/main" xmlns:ahyp="http://schemas.microsoft.com/office/drawing/2018/hyperlinkcolor">
+  <p:cSld>
+    <p:spTree>
+      <p:nvGrpSpPr>
+        <p:cNvPr id="71" name="Shape 71"/>
+        <p:cNvGrpSpPr/>
+        <p:nvPr/>
+      </p:nvGrpSpPr>
+      <p:grpSpPr>
+        <a:xfrm>
+          <a:off x="0" y="0"/>
+          <a:ext cx="0" cy="0"/>
+          <a:chOff x="0" y="0"/>
+          <a:chExt cx="0" cy="0"/>
+        </a:xfrm>
+      </p:grpSpPr>
+      <p:sp>
+        <p:nvSpPr>
+          <p:cNvPr id="72" name="Google Shape;72;p16"/>
+          <p:cNvSpPr txBox="1"/>
+          <p:nvPr>
+            <p:ph type="title"/>
+          </p:nvPr>
+        </p:nvSpPr>
+        <p:spPr>
+          <a:xfrm>
+            <a:off x="311700" y="445025"/>
+            <a:ext cx="8520600" cy="572700"/>
+          </a:xfrm>
+          <a:prstGeom prst="rect">
+            <a:avLst/>
+          </a:prstGeom>
+        </p:spPr>
+        <p:txBody>
+          <a:bodyPr anchorCtr="0" anchor="t" bIns="91425" lIns="91425" spcFirstLastPara="1" rIns="91425" wrap="square" tIns="91425">
+            <a:normAutofit fontScale="90000"/>
+          </a:bodyPr>
+          <a:lstStyle/>
+          <a:p>
+            <a:pPr indent="0" lvl="0" marL="0" rtl="0" algn="l">
+              <a:spcBef>
+                <a:spcPts val="0"/>
+              </a:spcBef>
+              <a:spcAft>
+                <a:spcPts val="0"/>
+              </a:spcAft>
+              <a:buNone/>
+            </a:pPr>
+            <a:r>
+              <a:rPr lang="en"/>
+              <a:t>Correlation</a:t>
+            </a:r>
+            <a:endParaRPr/>
+          </a:p>
+        </p:txBody>
+      </p:sp>
+      <p:sp>
+        <p:nvSpPr>
+          <p:cNvPr id="73" name="Google Shape;73;p16"/>
+          <p:cNvSpPr txBox="1"/>
+          <p:nvPr>
+            <p:ph idx="1" type="body"/>
+          </p:nvPr>
+        </p:nvSpPr>
+        <p:spPr>
+          <a:xfrm>
+            <a:off x="311700" y="913050"/>
+            <a:ext cx="8520600" cy="1658700"/>
+          </a:xfrm>
+          <a:prstGeom prst="rect">
+            <a:avLst/>
+          </a:prstGeom>
+        </p:spPr>
+        <p:txBody>
+          <a:bodyPr anchorCtr="0" anchor="t" bIns="91425" lIns="91425" spcFirstLastPara="1" rIns="91425" wrap="square" tIns="91425">
+            <a:normAutofit lnSpcReduction="10000"/>
+          </a:bodyPr>
+          <a:lstStyle/>
+          <a:p>
+            <a:pPr indent="0" lvl="0" marL="0" rtl="0" algn="l">
+              <a:spcBef>
+                <a:spcPts val="0"/>
+              </a:spcBef>
+              <a:spcAft>
+                <a:spcPts val="0"/>
+              </a:spcAft>
+              <a:buNone/>
+            </a:pPr>
+            <a:r>
+              <a:rPr lang="en"/>
+              <a:t>Most prominent values relating to fraud show as distance from home, distance from last transaction, and online order. </a:t>
+            </a:r>
+            <a:endParaRPr/>
+          </a:p>
+          <a:p>
+            <a:pPr indent="0" lvl="0" marL="0" rtl="0" algn="l">
+              <a:spcBef>
+                <a:spcPts val="1200"/>
+              </a:spcBef>
+              <a:spcAft>
+                <a:spcPts val="0"/>
+              </a:spcAft>
+              <a:buNone/>
+            </a:pPr>
+            <a:r>
+              <a:rPr lang="en"/>
+              <a:t>The greatest showing is the ratio to median purchase price.</a:t>
+            </a:r>
+            <a:endParaRPr/>
+          </a:p>
+          <a:p>
+            <a:pPr indent="0" lvl="0" marL="0" rtl="0" algn="l">
+              <a:spcBef>
+                <a:spcPts val="1200"/>
+              </a:spcBef>
+              <a:spcAft>
+                <a:spcPts val="1200"/>
+              </a:spcAft>
+              <a:buNone/>
+            </a:pPr>
+            <a:r>
+              <a:t/>
+            </a:r>
+            <a:endParaRPr/>
+          </a:p>
+        </p:txBody>
+      </p:sp>
+      <p:pic>
+        <p:nvPicPr>
+          <p:cNvPr id="74" name="Google Shape;74;p16"/>
+          <p:cNvPicPr preferRelativeResize="0"/>
+          <p:nvPr/>
+        </p:nvPicPr>
+        <p:blipFill>
+          <a:blip r:embed="rId3">
+            <a:alphaModFix/>
+          </a:blip>
+          <a:stretch>
+            <a:fillRect/>
+          </a:stretch>
+        </p:blipFill>
+        <p:spPr>
+          <a:xfrm>
+            <a:off x="5658000" y="2304125"/>
+            <a:ext cx="3522750" cy="2839375"/>
+          </a:xfrm>
+          <a:prstGeom prst="rect">
+            <a:avLst/>
+          </a:prstGeom>
+          <a:noFill/>
+          <a:ln>
+            <a:noFill/>
+          </a:ln>
+        </p:spPr>
+      </p:pic>
+      <p:sp>
+        <p:nvSpPr>
+          <p:cNvPr id="75" name="Google Shape;75;p16"/>
+          <p:cNvSpPr txBox="1"/>
+          <p:nvPr/>
+        </p:nvSpPr>
+        <p:spPr>
+          <a:xfrm>
+            <a:off x="311700" y="2304125"/>
+            <a:ext cx="5254200" cy="1252800"/>
+          </a:xfrm>
+          <a:prstGeom prst="rect">
+            <a:avLst/>
+          </a:prstGeom>
+          <a:noFill/>
+          <a:ln>
+            <a:noFill/>
+          </a:ln>
+        </p:spPr>
+        <p:txBody>
+          <a:bodyPr anchorCtr="0" anchor="t" bIns="91425" lIns="91425" spcFirstLastPara="1" rIns="91425" wrap="square" tIns="91425">
+            <a:spAutoFit/>
+          </a:bodyPr>
+          <a:lstStyle/>
+          <a:p>
+            <a:pPr indent="0" lvl="0" marL="0" rtl="0" algn="l">
+              <a:lnSpc>
+                <a:spcPct val="115000"/>
+              </a:lnSpc>
+              <a:spcBef>
+                <a:spcPts val="0"/>
+              </a:spcBef>
+              <a:spcAft>
+                <a:spcPts val="0"/>
+              </a:spcAft>
+              <a:buNone/>
+            </a:pPr>
+            <a:r>
+              <a:rPr lang="en" sz="1800">
+                <a:solidFill>
+                  <a:schemeClr val="dk2"/>
+                </a:solidFill>
+              </a:rPr>
+              <a:t>There was little to no correlation with using a chip or pin number. Which are security measures.</a:t>
+            </a:r>
+            <a:endParaRPr sz="1800">
+              <a:solidFill>
+                <a:schemeClr val="dk2"/>
+              </a:solidFill>
+            </a:endParaRPr>
+          </a:p>
+          <a:p>
+            <a:pPr indent="0" lvl="0" marL="0" rtl="0" algn="l">
+              <a:lnSpc>
+                <a:spcPct val="115000"/>
+              </a:lnSpc>
+              <a:spcBef>
+                <a:spcPts val="1200"/>
+              </a:spcBef>
+              <a:spcAft>
+                <a:spcPts val="1200"/>
+              </a:spcAft>
+              <a:buClr>
+                <a:schemeClr val="dk1"/>
+              </a:buClr>
+              <a:buSzPts val="1100"/>
+              <a:buFont typeface="Arial"/>
+              <a:buNone/>
+            </a:pPr>
+            <a:r>
+              <a:t/>
+            </a:r>
+            <a:endParaRPr sz="1800">
+              <a:solidFill>
+                <a:schemeClr val="dk2"/>
+              </a:solidFill>
+            </a:endParaRPr>
+          </a:p>
+        </p:txBody>
+      </p:sp>
+    </p:spTree>
+  </p:cSld>
+  <p:clrMapOvr>
+    <a:masterClrMapping/>
+  </p:clrMapOvr>
+</p:sld>
+</file>
+
+<file path=ppt/slides/slide5.xml><?xml version="1.0" encoding="utf-8"?>
+<p:sld xmlns:a="http://schemas.openxmlformats.org/drawingml/2006/main" xmlns:r="http://schemas.openxmlformats.org/officeDocument/2006/relationships" xmlns:mc="http://schemas.openxmlformats.org/markup-compatibility/2006" xmlns:mv="urn:schemas-microsoft-com:mac:vml" xmlns:p="http://schemas.openxmlformats.org/presentationml/2006/main" xmlns:c="http://schemas.openxmlformats.org/drawingml/2006/chart" xmlns:dgm="http://schemas.openxmlformats.org/drawingml/2006/diagram" xmlns:o="urn:schemas-microsoft-com:office:office" xmlns:v="urn:schemas-microsoft-com:vml" xmlns:pvml="urn:schemas-microsoft-com:office:powerpoint" xmlns:com="http://schemas.openxmlformats.org/drawingml/2006/compatibility" xmlns:p14="http://schemas.microsoft.com/office/powerpoint/2010/main" xmlns:p15="http://schemas.microsoft.com/office/powerpoint/2012/main" xmlns:ahyp="http://schemas.microsoft.com/office/drawing/2018/hyperlinkcolor">
+  <p:cSld>
+    <p:spTree>
+      <p:nvGrpSpPr>
+        <p:cNvPr id="79" name="Shape 79"/>
+        <p:cNvGrpSpPr/>
+        <p:nvPr/>
+      </p:nvGrpSpPr>
+      <p:grpSpPr>
+        <a:xfrm>
+          <a:off x="0" y="0"/>
+          <a:ext cx="0" cy="0"/>
+          <a:chOff x="0" y="0"/>
+          <a:chExt cx="0" cy="0"/>
+        </a:xfrm>
+      </p:grpSpPr>
+      <p:sp>
+        <p:nvSpPr>
+          <p:cNvPr id="80" name="Google Shape;80;p17"/>
+          <p:cNvSpPr txBox="1"/>
+          <p:nvPr>
+            <p:ph type="title"/>
+          </p:nvPr>
+        </p:nvSpPr>
+        <p:spPr>
+          <a:xfrm>
+            <a:off x="311700" y="445025"/>
+            <a:ext cx="8520600" cy="572700"/>
+          </a:xfrm>
+          <a:prstGeom prst="rect">
+            <a:avLst/>
+          </a:prstGeom>
+        </p:spPr>
+        <p:txBody>
+          <a:bodyPr anchorCtr="0" anchor="t" bIns="91425" lIns="91425" spcFirstLastPara="1" rIns="91425" wrap="square" tIns="91425">
+            <a:normAutofit fontScale="90000"/>
+          </a:bodyPr>
+          <a:lstStyle/>
+          <a:p>
+            <a:pPr indent="0" lvl="0" marL="0" rtl="0" algn="l">
+              <a:spcBef>
+                <a:spcPts val="0"/>
+              </a:spcBef>
+              <a:spcAft>
+                <a:spcPts val="0"/>
+              </a:spcAft>
+              <a:buNone/>
+            </a:pPr>
+            <a:r>
+              <a:rPr lang="en"/>
+              <a:t>Training Models</a:t>
+            </a:r>
+            <a:endParaRPr/>
+          </a:p>
+        </p:txBody>
+      </p:sp>
+      <p:sp>
+        <p:nvSpPr>
+          <p:cNvPr id="81" name="Google Shape;81;p17"/>
+          <p:cNvSpPr txBox="1"/>
+          <p:nvPr>
+            <p:ph idx="1" type="body"/>
+          </p:nvPr>
+        </p:nvSpPr>
+        <p:spPr>
+          <a:xfrm>
+            <a:off x="311700" y="1152475"/>
+            <a:ext cx="8520600" cy="3416400"/>
+          </a:xfrm>
+          <a:prstGeom prst="rect">
+            <a:avLst/>
+          </a:prstGeom>
+        </p:spPr>
+        <p:txBody>
+          <a:bodyPr anchorCtr="0" anchor="t" bIns="91425" lIns="91425" spcFirstLastPara="1" rIns="91425" wrap="square" tIns="91425">
+            <a:normAutofit/>
+          </a:bodyPr>
+          <a:lstStyle/>
+          <a:p>
+            <a:pPr indent="0" lvl="0" marL="0" rtl="0" algn="l">
+              <a:spcBef>
+                <a:spcPts val="0"/>
+              </a:spcBef>
+              <a:spcAft>
+                <a:spcPts val="0"/>
+              </a:spcAft>
+              <a:buNone/>
+            </a:pPr>
+            <a:r>
+              <a:rPr lang="en"/>
+              <a:t>This model has column “fraud” as our y, and the rest of the values as X. </a:t>
+            </a:r>
+            <a:endParaRPr/>
+          </a:p>
+          <a:p>
+            <a:pPr indent="0" lvl="0" marL="0" rtl="0" algn="l">
+              <a:spcBef>
+                <a:spcPts val="1200"/>
+              </a:spcBef>
+              <a:spcAft>
+                <a:spcPts val="0"/>
+              </a:spcAft>
+              <a:buNone/>
+            </a:pPr>
+            <a:r>
+              <a:rPr lang="en"/>
+              <a:t>The X was scaled.</a:t>
+            </a:r>
+            <a:endParaRPr/>
+          </a:p>
+          <a:p>
+            <a:pPr indent="0" lvl="0" marL="0" rtl="0" algn="l">
+              <a:spcBef>
+                <a:spcPts val="1200"/>
+              </a:spcBef>
+              <a:spcAft>
+                <a:spcPts val="0"/>
+              </a:spcAft>
+              <a:buNone/>
+            </a:pPr>
+            <a:r>
+              <a:rPr lang="en"/>
+              <a:t>The y values showed to be very skewed. (0: 912597, 1: 87403)</a:t>
+            </a:r>
+            <a:endParaRPr/>
+          </a:p>
+          <a:p>
+            <a:pPr indent="-342900" lvl="0" marL="457200" rtl="0" algn="l">
+              <a:spcBef>
+                <a:spcPts val="1200"/>
+              </a:spcBef>
+              <a:spcAft>
+                <a:spcPts val="0"/>
+              </a:spcAft>
+              <a:buSzPts val="1800"/>
+              <a:buChar char="-"/>
+            </a:pPr>
+            <a:r>
+              <a:rPr lang="en"/>
+              <a:t>Stratify y in train-test split.</a:t>
+            </a:r>
+            <a:endParaRPr/>
+          </a:p>
+          <a:p>
+            <a:pPr indent="0" lvl="0" marL="0" rtl="0" algn="l">
+              <a:spcBef>
+                <a:spcPts val="1200"/>
+              </a:spcBef>
+              <a:spcAft>
+                <a:spcPts val="0"/>
+              </a:spcAft>
+              <a:buNone/>
+            </a:pPr>
+            <a:r>
+              <a:rPr lang="en"/>
+              <a:t>The best train-test split showed to be 80-20 after trying 85-15 and 75-25.</a:t>
+            </a:r>
+            <a:endParaRPr/>
+          </a:p>
+          <a:p>
+            <a:pPr indent="0" lvl="0" marL="0" rtl="0" algn="l">
+              <a:spcBef>
+                <a:spcPts val="1200"/>
+              </a:spcBef>
+              <a:spcAft>
+                <a:spcPts val="1200"/>
+              </a:spcAft>
+              <a:buNone/>
+            </a:pPr>
+            <a:r>
+              <a:t/>
+            </a:r>
+            <a:endParaRPr/>
+          </a:p>
+        </p:txBody>
+      </p:sp>
+    </p:spTree>
+  </p:cSld>
+  <p:clrMapOvr>
+    <a:masterClrMapping/>
+  </p:clrMapOvr>
+</p:sld>
+</file>
+
+<file path=ppt/slides/slide6.xml><?xml version="1.0" encoding="utf-8"?>
+<p:sld xmlns:a="http://schemas.openxmlformats.org/drawingml/2006/main" xmlns:r="http://schemas.openxmlformats.org/officeDocument/2006/relationships" xmlns:mc="http://schemas.openxmlformats.org/markup-compatibility/2006" xmlns:mv="urn:schemas-microsoft-com:mac:vml" xmlns:p="http://schemas.openxmlformats.org/presentationml/2006/main" xmlns:c="http://schemas.openxmlformats.org/drawingml/2006/chart" xmlns:dgm="http://schemas.openxmlformats.org/drawingml/2006/diagram" xmlns:o="urn:schemas-microsoft-com:office:office" xmlns:v="urn:schemas-microsoft-com:vml" xmlns:pvml="urn:schemas-microsoft-com:office:powerpoint" xmlns:com="http://schemas.openxmlformats.org/drawingml/2006/compatibility" xmlns:p14="http://schemas.microsoft.com/office/powerpoint/2010/main" xmlns:p15="http://schemas.microsoft.com/office/powerpoint/2012/main" xmlns:ahyp="http://schemas.microsoft.com/office/drawing/2018/hyperlinkcolor">
+  <p:cSld>
+    <p:spTree>
+      <p:nvGrpSpPr>
+        <p:cNvPr id="85" name="Shape 85"/>
+        <p:cNvGrpSpPr/>
+        <p:nvPr/>
+      </p:nvGrpSpPr>
+      <p:grpSpPr>
+        <a:xfrm>
+          <a:off x="0" y="0"/>
+          <a:ext cx="0" cy="0"/>
+          <a:chOff x="0" y="0"/>
+          <a:chExt cx="0" cy="0"/>
+        </a:xfrm>
+      </p:grpSpPr>
+      <p:sp>
+        <p:nvSpPr>
+          <p:cNvPr id="86" name="Google Shape;86;p18"/>
+          <p:cNvSpPr txBox="1"/>
+          <p:nvPr>
+            <p:ph type="title"/>
+          </p:nvPr>
+        </p:nvSpPr>
+        <p:spPr>
+          <a:xfrm>
+            <a:off x="311700" y="445025"/>
+            <a:ext cx="8520600" cy="572700"/>
+          </a:xfrm>
+          <a:prstGeom prst="rect">
+            <a:avLst/>
+          </a:prstGeom>
+        </p:spPr>
+        <p:txBody>
+          <a:bodyPr anchorCtr="0" anchor="t" bIns="91425" lIns="91425" spcFirstLastPara="1" rIns="91425" wrap="square" tIns="91425">
+            <a:normAutofit fontScale="90000"/>
+          </a:bodyPr>
+          <a:lstStyle/>
+          <a:p>
+            <a:pPr indent="0" lvl="0" marL="0" rtl="0" algn="l">
+              <a:spcBef>
+                <a:spcPts val="0"/>
+              </a:spcBef>
+              <a:spcAft>
+                <a:spcPts val="0"/>
+              </a:spcAft>
+              <a:buNone/>
+            </a:pPr>
+            <a:r>
+              <a:rPr lang="en"/>
+              <a:t>Logistic Regression</a:t>
+            </a:r>
+            <a:endParaRPr/>
+          </a:p>
+        </p:txBody>
+      </p:sp>
+      <p:pic>
+        <p:nvPicPr>
+          <p:cNvPr id="87" name="Google Shape;87;p18"/>
+          <p:cNvPicPr preferRelativeResize="0"/>
+          <p:nvPr/>
+        </p:nvPicPr>
+        <p:blipFill>
+          <a:blip r:embed="rId3">
+            <a:alphaModFix/>
+          </a:blip>
+          <a:stretch>
+            <a:fillRect/>
+          </a:stretch>
+        </p:blipFill>
+        <p:spPr>
+          <a:xfrm>
+            <a:off x="5445663" y="1699175"/>
+            <a:ext cx="3419475" cy="2800350"/>
+          </a:xfrm>
+          <a:prstGeom prst="rect">
+            <a:avLst/>
+          </a:prstGeom>
+          <a:noFill/>
+          <a:ln>
+            <a:noFill/>
+          </a:ln>
+        </p:spPr>
+      </p:pic>
+      <p:pic>
+        <p:nvPicPr>
+          <p:cNvPr id="88" name="Google Shape;88;p18"/>
+          <p:cNvPicPr preferRelativeResize="0"/>
+          <p:nvPr/>
+        </p:nvPicPr>
+        <p:blipFill>
+          <a:blip r:embed="rId4">
+            <a:alphaModFix/>
+          </a:blip>
+          <a:stretch>
+            <a:fillRect/>
+          </a:stretch>
+        </p:blipFill>
+        <p:spPr>
+          <a:xfrm>
+            <a:off x="311700" y="1422950"/>
+            <a:ext cx="5133975" cy="3352800"/>
+          </a:xfrm>
+          <a:prstGeom prst="rect">
+            <a:avLst/>
+          </a:prstGeom>
+          <a:noFill/>
+          <a:ln>
+            <a:noFill/>
+          </a:ln>
+        </p:spPr>
+      </p:pic>
+      <p:sp>
+        <p:nvSpPr>
+          <p:cNvPr id="89" name="Google Shape;89;p18"/>
+          <p:cNvSpPr txBox="1"/>
+          <p:nvPr/>
+        </p:nvSpPr>
+        <p:spPr>
+          <a:xfrm>
+            <a:off x="6653750" y="2168200"/>
+            <a:ext cx="2077500" cy="554100"/>
+          </a:xfrm>
+          <a:prstGeom prst="rect">
+            <a:avLst/>
+          </a:prstGeom>
+          <a:noFill/>
+          <a:ln>
+            <a:noFill/>
+          </a:ln>
+        </p:spPr>
+        <p:txBody>
+          <a:bodyPr anchorCtr="0" anchor="t" bIns="91425" lIns="91425" spcFirstLastPara="1" rIns="91425" wrap="square" tIns="91425">
+            <a:spAutoFit/>
+          </a:bodyPr>
+          <a:lstStyle/>
+          <a:p>
+            <a:pPr indent="0" lvl="0" marL="0" rtl="0" algn="l">
+              <a:spcBef>
+                <a:spcPts val="0"/>
+              </a:spcBef>
+              <a:spcAft>
+                <a:spcPts val="0"/>
+              </a:spcAft>
+              <a:buClr>
+                <a:schemeClr val="dk1"/>
+              </a:buClr>
+              <a:buSzPts val="1100"/>
+              <a:buFont typeface="Arial"/>
+              <a:buNone/>
+            </a:pPr>
+            <a:r>
+              <a:rPr lang="en" sz="1200">
+                <a:solidFill>
+                  <a:srgbClr val="FF0000"/>
+                </a:solidFill>
+                <a:latin typeface="Courier New"/>
+                <a:ea typeface="Courier New"/>
+                <a:cs typeface="Courier New"/>
+                <a:sym typeface="Courier New"/>
+              </a:rPr>
+              <a:t> 8183 wrong classifications</a:t>
+            </a:r>
+            <a:endParaRPr>
+              <a:solidFill>
+                <a:srgbClr val="FF0000"/>
+              </a:solidFill>
+              <a:latin typeface="Courier New"/>
+              <a:ea typeface="Courier New"/>
+              <a:cs typeface="Courier New"/>
+              <a:sym typeface="Courier New"/>
+            </a:endParaRPr>
+          </a:p>
+        </p:txBody>
+      </p:sp>
+    </p:spTree>
+  </p:cSld>
+  <p:clrMapOvr>
+    <a:masterClrMapping/>
+  </p:clrMapOvr>
+</p:sld>
+</file>
+
+<file path=ppt/slides/slide7.xml><?xml version="1.0" encoding="utf-8"?>
+<p:sld xmlns:a="http://schemas.openxmlformats.org/drawingml/2006/main" xmlns:r="http://schemas.openxmlformats.org/officeDocument/2006/relationships" xmlns:mc="http://schemas.openxmlformats.org/markup-compatibility/2006" xmlns:mv="urn:schemas-microsoft-com:mac:vml" xmlns:p="http://schemas.openxmlformats.org/presentationml/2006/main" xmlns:c="http://schemas.openxmlformats.org/drawingml/2006/chart" xmlns:dgm="http://schemas.openxmlformats.org/drawingml/2006/diagram" xmlns:o="urn:schemas-microsoft-com:office:office" xmlns:v="urn:schemas-microsoft-com:vml" xmlns:pvml="urn:schemas-microsoft-com:office:powerpoint" xmlns:com="http://schemas.openxmlformats.org/drawingml/2006/compatibility" xmlns:p14="http://schemas.microsoft.com/office/powerpoint/2010/main" xmlns:p15="http://schemas.microsoft.com/office/powerpoint/2012/main" xmlns:ahyp="http://schemas.microsoft.com/office/drawing/2018/hyperlinkcolor">
+  <p:cSld>
+    <p:spTree>
+      <p:nvGrpSpPr>
+        <p:cNvPr id="93" name="Shape 93"/>
+        <p:cNvGrpSpPr/>
+        <p:nvPr/>
+      </p:nvGrpSpPr>
+      <p:grpSpPr>
+        <a:xfrm>
+          <a:off x="0" y="0"/>
+          <a:ext cx="0" cy="0"/>
+          <a:chOff x="0" y="0"/>
+          <a:chExt cx="0" cy="0"/>
+        </a:xfrm>
+      </p:grpSpPr>
+      <p:sp>
+        <p:nvSpPr>
+          <p:cNvPr id="94" name="Google Shape;94;p19"/>
+          <p:cNvSpPr txBox="1"/>
+          <p:nvPr>
+            <p:ph type="title"/>
+          </p:nvPr>
+        </p:nvSpPr>
+        <p:spPr>
+          <a:xfrm>
+            <a:off x="311700" y="445025"/>
+            <a:ext cx="8520600" cy="572700"/>
+          </a:xfrm>
+          <a:prstGeom prst="rect">
+            <a:avLst/>
+          </a:prstGeom>
+        </p:spPr>
+        <p:txBody>
+          <a:bodyPr anchorCtr="0" anchor="t" bIns="91425" lIns="91425" spcFirstLastPara="1" rIns="91425" wrap="square" tIns="91425">
+            <a:normAutofit fontScale="90000"/>
+          </a:bodyPr>
+          <a:lstStyle/>
+          <a:p>
+            <a:pPr indent="0" lvl="0" marL="0" rtl="0" algn="l">
+              <a:spcBef>
+                <a:spcPts val="0"/>
+              </a:spcBef>
+              <a:spcAft>
+                <a:spcPts val="0"/>
+              </a:spcAft>
+              <a:buNone/>
+            </a:pPr>
+            <a:r>
+              <a:rPr lang="en"/>
+              <a:t>Random-Forest Classification</a:t>
+            </a:r>
+            <a:endParaRPr/>
+          </a:p>
+        </p:txBody>
+      </p:sp>
+      <p:pic>
+        <p:nvPicPr>
+          <p:cNvPr id="95" name="Google Shape;95;p19"/>
+          <p:cNvPicPr preferRelativeResize="0"/>
+          <p:nvPr/>
+        </p:nvPicPr>
+        <p:blipFill>
+          <a:blip r:embed="rId3">
+            <a:alphaModFix/>
+          </a:blip>
+          <a:stretch>
+            <a:fillRect/>
+          </a:stretch>
+        </p:blipFill>
+        <p:spPr>
+          <a:xfrm>
+            <a:off x="311700" y="1307900"/>
+            <a:ext cx="4467225" cy="3152775"/>
+          </a:xfrm>
+          <a:prstGeom prst="rect">
+            <a:avLst/>
+          </a:prstGeom>
+          <a:noFill/>
+          <a:ln>
+            <a:noFill/>
+          </a:ln>
+        </p:spPr>
+      </p:pic>
+      <p:pic>
+        <p:nvPicPr>
+          <p:cNvPr id="96" name="Google Shape;96;p19"/>
+          <p:cNvPicPr preferRelativeResize="0"/>
+          <p:nvPr/>
+        </p:nvPicPr>
+        <p:blipFill>
+          <a:blip r:embed="rId4">
+            <a:alphaModFix/>
+          </a:blip>
+          <a:stretch>
+            <a:fillRect/>
+          </a:stretch>
+        </p:blipFill>
+        <p:spPr>
+          <a:xfrm>
+            <a:off x="5431875" y="1512688"/>
+            <a:ext cx="3400425" cy="2743200"/>
+          </a:xfrm>
+          <a:prstGeom prst="rect">
+            <a:avLst/>
+          </a:prstGeom>
+          <a:noFill/>
+          <a:ln>
+            <a:noFill/>
+          </a:ln>
+        </p:spPr>
+      </p:pic>
+      <p:sp>
+        <p:nvSpPr>
+          <p:cNvPr id="97" name="Google Shape;97;p19"/>
+          <p:cNvSpPr txBox="1"/>
+          <p:nvPr/>
+        </p:nvSpPr>
+        <p:spPr>
+          <a:xfrm>
+            <a:off x="6653750" y="1966125"/>
+            <a:ext cx="2077500" cy="554100"/>
+          </a:xfrm>
+          <a:prstGeom prst="rect">
+            <a:avLst/>
+          </a:prstGeom>
+          <a:noFill/>
+          <a:ln>
+            <a:noFill/>
+          </a:ln>
+        </p:spPr>
+        <p:txBody>
+          <a:bodyPr anchorCtr="0" anchor="t" bIns="91425" lIns="91425" spcFirstLastPara="1" rIns="91425" wrap="square" tIns="91425">
+            <a:spAutoFit/>
+          </a:bodyPr>
+          <a:lstStyle/>
+          <a:p>
+            <a:pPr indent="0" lvl="0" marL="0" rtl="0" algn="l">
+              <a:spcBef>
+                <a:spcPts val="0"/>
+              </a:spcBef>
+              <a:spcAft>
+                <a:spcPts val="0"/>
+              </a:spcAft>
+              <a:buNone/>
+            </a:pPr>
+            <a:r>
+              <a:rPr lang="en" sz="1200">
+                <a:solidFill>
+                  <a:srgbClr val="FF0000"/>
+                </a:solidFill>
+                <a:latin typeface="Courier New"/>
+                <a:ea typeface="Courier New"/>
+                <a:cs typeface="Courier New"/>
+                <a:sym typeface="Courier New"/>
+              </a:rPr>
+              <a:t> 7 wrong classifications</a:t>
+            </a:r>
+            <a:endParaRPr>
+              <a:solidFill>
+                <a:srgbClr val="FF0000"/>
+              </a:solidFill>
+              <a:latin typeface="Courier New"/>
+              <a:ea typeface="Courier New"/>
+              <a:cs typeface="Courier New"/>
+              <a:sym typeface="Courier New"/>
+            </a:endParaRPr>
+          </a:p>
+        </p:txBody>
+      </p:sp>
+    </p:spTree>
+  </p:cSld>
+  <p:clrMapOvr>
+    <a:masterClrMapping/>
+  </p:clrMapOvr>
+</p:sld>
+</file>
+
+<file path=ppt/slides/slide8.xml><?xml version="1.0" encoding="utf-8"?>
+<p:sld xmlns:a="http://schemas.openxmlformats.org/drawingml/2006/main" xmlns:r="http://schemas.openxmlformats.org/officeDocument/2006/relationships" xmlns:mc="http://schemas.openxmlformats.org/markup-compatibility/2006" xmlns:mv="urn:schemas-microsoft-com:mac:vml" xmlns:p="http://schemas.openxmlformats.org/presentationml/2006/main" xmlns:c="http://schemas.openxmlformats.org/drawingml/2006/chart" xmlns:dgm="http://schemas.openxmlformats.org/drawingml/2006/diagram" xmlns:o="urn:schemas-microsoft-com:office:office" xmlns:v="urn:schemas-microsoft-com:vml" xmlns:pvml="urn:schemas-microsoft-com:office:powerpoint" xmlns:com="http://schemas.openxmlformats.org/drawingml/2006/compatibility" xmlns:p14="http://schemas.microsoft.com/office/powerpoint/2010/main" xmlns:p15="http://schemas.microsoft.com/office/powerpoint/2012/main" xmlns:ahyp="http://schemas.microsoft.com/office/drawing/2018/hyperlinkcolor">
+  <p:cSld>
+    <p:spTree>
+      <p:nvGrpSpPr>
+        <p:cNvPr id="101" name="Shape 101"/>
+        <p:cNvGrpSpPr/>
+        <p:nvPr/>
+      </p:nvGrpSpPr>
+      <p:grpSpPr>
+        <a:xfrm>
+          <a:off x="0" y="0"/>
+          <a:ext cx="0" cy="0"/>
+          <a:chOff x="0" y="0"/>
+          <a:chExt cx="0" cy="0"/>
+        </a:xfrm>
+      </p:grpSpPr>
+      <p:sp>
+        <p:nvSpPr>
+          <p:cNvPr id="102" name="Google Shape;102;p20"/>
+          <p:cNvSpPr txBox="1"/>
+          <p:nvPr>
+            <p:ph type="title"/>
+          </p:nvPr>
+        </p:nvSpPr>
+        <p:spPr>
+          <a:xfrm>
+            <a:off x="311700" y="445025"/>
+            <a:ext cx="8520600" cy="572700"/>
+          </a:xfrm>
+          <a:prstGeom prst="rect">
+            <a:avLst/>
+          </a:prstGeom>
+        </p:spPr>
+        <p:txBody>
+          <a:bodyPr anchorCtr="0" anchor="t" bIns="91425" lIns="91425" spcFirstLastPara="1" rIns="91425" wrap="square" tIns="91425">
+            <a:normAutofit fontScale="90000"/>
+          </a:bodyPr>
+          <a:lstStyle/>
+          <a:p>
+            <a:pPr indent="0" lvl="0" marL="0" rtl="0" algn="l">
+              <a:spcBef>
+                <a:spcPts val="0"/>
+              </a:spcBef>
+              <a:spcAft>
+                <a:spcPts val="0"/>
+              </a:spcAft>
+              <a:buNone/>
+            </a:pPr>
+            <a:r>
+              <a:rPr lang="en"/>
+              <a:t>Decision Tree Classification</a:t>
+            </a:r>
+            <a:endParaRPr/>
+          </a:p>
+        </p:txBody>
+      </p:sp>
+      <p:pic>
+        <p:nvPicPr>
+          <p:cNvPr id="103" name="Google Shape;103;p20"/>
+          <p:cNvPicPr preferRelativeResize="0"/>
+          <p:nvPr/>
+        </p:nvPicPr>
+        <p:blipFill>
+          <a:blip r:embed="rId3">
+            <a:alphaModFix/>
+          </a:blip>
+          <a:stretch>
+            <a:fillRect/>
+          </a:stretch>
+        </p:blipFill>
+        <p:spPr>
+          <a:xfrm>
+            <a:off x="715813" y="1306288"/>
+            <a:ext cx="3457575" cy="3228975"/>
+          </a:xfrm>
+          <a:prstGeom prst="rect">
+            <a:avLst/>
+          </a:prstGeom>
+          <a:noFill/>
+          <a:ln>
+            <a:noFill/>
+          </a:ln>
+        </p:spPr>
+      </p:pic>
+      <p:pic>
+        <p:nvPicPr>
+          <p:cNvPr id="104" name="Google Shape;104;p20"/>
+          <p:cNvPicPr preferRelativeResize="0"/>
+          <p:nvPr/>
+        </p:nvPicPr>
+        <p:blipFill>
+          <a:blip r:embed="rId4">
+            <a:alphaModFix/>
+          </a:blip>
+          <a:stretch>
+            <a:fillRect/>
+          </a:stretch>
+        </p:blipFill>
+        <p:spPr>
+          <a:xfrm>
+            <a:off x="5262638" y="1228713"/>
+            <a:ext cx="3343275" cy="2686050"/>
+          </a:xfrm>
+          <a:prstGeom prst="rect">
+            <a:avLst/>
+          </a:prstGeom>
+          <a:noFill/>
+          <a:ln>
+            <a:noFill/>
+          </a:ln>
+        </p:spPr>
+      </p:pic>
+      <p:sp>
+        <p:nvSpPr>
+          <p:cNvPr id="105" name="Google Shape;105;p20"/>
+          <p:cNvSpPr txBox="1"/>
+          <p:nvPr/>
+        </p:nvSpPr>
+        <p:spPr>
+          <a:xfrm>
+            <a:off x="6341475" y="1699750"/>
+            <a:ext cx="2077500" cy="554100"/>
+          </a:xfrm>
+          <a:prstGeom prst="rect">
+            <a:avLst/>
+          </a:prstGeom>
+          <a:noFill/>
+          <a:ln>
+            <a:noFill/>
+          </a:ln>
+        </p:spPr>
+        <p:txBody>
+          <a:bodyPr anchorCtr="0" anchor="t" bIns="91425" lIns="91425" spcFirstLastPara="1" rIns="91425" wrap="square" tIns="91425">
+            <a:spAutoFit/>
+          </a:bodyPr>
+          <a:lstStyle/>
+          <a:p>
+            <a:pPr indent="0" lvl="0" marL="0" rtl="0" algn="l">
+              <a:spcBef>
+                <a:spcPts val="0"/>
+              </a:spcBef>
+              <a:spcAft>
+                <a:spcPts val="0"/>
+              </a:spcAft>
+              <a:buNone/>
+            </a:pPr>
+            <a:r>
+              <a:rPr lang="en" sz="1200">
+                <a:solidFill>
+                  <a:srgbClr val="FF0000"/>
+                </a:solidFill>
+                <a:latin typeface="Courier New"/>
+                <a:ea typeface="Courier New"/>
+                <a:cs typeface="Courier New"/>
+                <a:sym typeface="Courier New"/>
+              </a:rPr>
+              <a:t> 6 wrong classifications</a:t>
+            </a:r>
+            <a:endParaRPr>
+              <a:solidFill>
+                <a:srgbClr val="FF0000"/>
+              </a:solidFill>
+              <a:latin typeface="Courier New"/>
+              <a:ea typeface="Courier New"/>
+              <a:cs typeface="Courier New"/>
+              <a:sym typeface="Courier New"/>
+            </a:endParaRPr>
+          </a:p>
+        </p:txBody>
+      </p:sp>
+    </p:spTree>
+  </p:cSld>
+  <p:clrMapOvr>
+    <a:masterClrMapping/>
+  </p:clrMapOvr>
+</p:sld>
+</file>
+
+<file path=ppt/slides/slide9.xml><?xml version="1.0" encoding="utf-8"?>
+<p:sld xmlns:a="http://schemas.openxmlformats.org/drawingml/2006/main" xmlns:r="http://schemas.openxmlformats.org/officeDocument/2006/relationships" xmlns:mc="http://schemas.openxmlformats.org/markup-compatibility/2006" xmlns:mv="urn:schemas-microsoft-com:mac:vml" xmlns:p="http://schemas.openxmlformats.org/presentationml/2006/main" xmlns:c="http://schemas.openxmlformats.org/drawingml/2006/chart" xmlns:dgm="http://schemas.openxmlformats.org/drawingml/2006/diagram" xmlns:o="urn:schemas-microsoft-com:office:office" xmlns:v="urn:schemas-microsoft-com:vml" xmlns:pvml="urn:schemas-microsoft-com:office:powerpoint" xmlns:com="http://schemas.openxmlformats.org/drawingml/2006/compatibility" xmlns:p14="http://schemas.microsoft.com/office/powerpoint/2010/main" xmlns:p15="http://schemas.microsoft.com/office/powerpoint/2012/main" xmlns:ahyp="http://schemas.microsoft.com/office/drawing/2018/hyperlinkcolor">
+  <p:cSld>
+    <p:spTree>
+      <p:nvGrpSpPr>
+        <p:cNvPr id="109" name="Shape 109"/>
+        <p:cNvGrpSpPr/>
+        <p:nvPr/>
+      </p:nvGrpSpPr>
+      <p:grpSpPr>
+        <a:xfrm>
+          <a:off x="0" y="0"/>
+          <a:ext cx="0" cy="0"/>
+          <a:chOff x="0" y="0"/>
+          <a:chExt cx="0" cy="0"/>
+        </a:xfrm>
+      </p:grpSpPr>
+      <p:sp>
+        <p:nvSpPr>
+          <p:cNvPr id="110" name="Google Shape;110;p21"/>
+          <p:cNvSpPr txBox="1"/>
+          <p:nvPr>
+            <p:ph type="title"/>
+          </p:nvPr>
+        </p:nvSpPr>
+        <p:spPr>
+          <a:xfrm>
+            <a:off x="311700" y="445025"/>
+            <a:ext cx="8520600" cy="572700"/>
+          </a:xfrm>
+          <a:prstGeom prst="rect">
+            <a:avLst/>
+          </a:prstGeom>
+        </p:spPr>
+        <p:txBody>
+          <a:bodyPr anchorCtr="0" anchor="t" bIns="91425" lIns="91425" spcFirstLastPara="1" rIns="91425" wrap="square" tIns="91425">
+            <a:normAutofit fontScale="90000"/>
+          </a:bodyPr>
+          <a:lstStyle/>
+          <a:p>
+            <a:pPr indent="0" lvl="0" marL="0" rtl="0" algn="l">
+              <a:spcBef>
+                <a:spcPts val="0"/>
+              </a:spcBef>
+              <a:spcAft>
+                <a:spcPts val="0"/>
+              </a:spcAft>
+              <a:buNone/>
+            </a:pPr>
+            <a:r>
+              <a:rPr lang="en"/>
+              <a:t>Support Vector Classification</a:t>
+            </a:r>
+            <a:endParaRPr/>
+          </a:p>
+        </p:txBody>
+      </p:sp>
+      <p:pic>
+        <p:nvPicPr>
+          <p:cNvPr id="111" name="Google Shape;111;p21"/>
+          <p:cNvPicPr preferRelativeResize="0"/>
+          <p:nvPr/>
+        </p:nvPicPr>
+        <p:blipFill>
+          <a:blip r:embed="rId3">
+            <a:alphaModFix/>
+          </a:blip>
+          <a:stretch>
+            <a:fillRect/>
+          </a:stretch>
+        </p:blipFill>
+        <p:spPr>
+          <a:xfrm>
+            <a:off x="675950" y="1322525"/>
+            <a:ext cx="2962275" cy="1133475"/>
+          </a:xfrm>
+          <a:prstGeom prst="rect">
+            <a:avLst/>
+          </a:prstGeom>
+          <a:noFill/>
+          <a:ln>
+            <a:noFill/>
+          </a:ln>
+        </p:spPr>
+      </p:pic>
+      <p:pic>
+        <p:nvPicPr>
+          <p:cNvPr id="112" name="Google Shape;112;p21"/>
+          <p:cNvPicPr preferRelativeResize="0"/>
+          <p:nvPr/>
+        </p:nvPicPr>
+        <p:blipFill>
+          <a:blip r:embed="rId4">
+            <a:alphaModFix/>
+          </a:blip>
+          <a:stretch>
+            <a:fillRect/>
+          </a:stretch>
+        </p:blipFill>
+        <p:spPr>
+          <a:xfrm>
+            <a:off x="675950" y="2456000"/>
+            <a:ext cx="3371850" cy="2124075"/>
+          </a:xfrm>
+          <a:prstGeom prst="rect">
+            <a:avLst/>
+          </a:prstGeom>
+          <a:noFill/>
+          <a:ln>
+            <a:noFill/>
+          </a:ln>
+        </p:spPr>
+      </p:pic>
+      <p:pic>
+        <p:nvPicPr>
+          <p:cNvPr id="113" name="Google Shape;113;p21"/>
+          <p:cNvPicPr preferRelativeResize="0"/>
+          <p:nvPr/>
+        </p:nvPicPr>
+        <p:blipFill>
+          <a:blip r:embed="rId5">
+            <a:alphaModFix/>
+          </a:blip>
+          <a:stretch>
+            <a:fillRect/>
+          </a:stretch>
+        </p:blipFill>
+        <p:spPr>
+          <a:xfrm>
+            <a:off x="4843125" y="1482425"/>
+            <a:ext cx="3629025" cy="2857500"/>
+          </a:xfrm>
+          <a:prstGeom prst="rect">
+            <a:avLst/>
+          </a:prstGeom>
+          <a:noFill/>
+          <a:ln>
+            <a:noFill/>
+          </a:ln>
+        </p:spPr>
+      </p:pic>
+      <p:sp>
+        <p:nvSpPr>
+          <p:cNvPr id="114" name="Google Shape;114;p21"/>
+          <p:cNvSpPr txBox="1"/>
+          <p:nvPr/>
+        </p:nvSpPr>
+        <p:spPr>
+          <a:xfrm>
+            <a:off x="6029200" y="1901900"/>
+            <a:ext cx="2077500" cy="554100"/>
+          </a:xfrm>
+          <a:prstGeom prst="rect">
+            <a:avLst/>
+          </a:prstGeom>
+          <a:noFill/>
+          <a:ln>
+            <a:noFill/>
+          </a:ln>
+        </p:spPr>
+        <p:txBody>
+          <a:bodyPr anchorCtr="0" anchor="t" bIns="91425" lIns="91425" spcFirstLastPara="1" rIns="91425" wrap="square" tIns="91425">
+            <a:spAutoFit/>
+          </a:bodyPr>
+          <a:lstStyle/>
+          <a:p>
+            <a:pPr indent="0" lvl="0" marL="0" rtl="0" algn="l">
+              <a:spcBef>
+                <a:spcPts val="0"/>
+              </a:spcBef>
+              <a:spcAft>
+                <a:spcPts val="0"/>
+              </a:spcAft>
+              <a:buNone/>
+            </a:pPr>
+            <a:r>
+              <a:rPr lang="en" sz="1200">
+                <a:solidFill>
+                  <a:srgbClr val="FF0000"/>
+                </a:solidFill>
+                <a:latin typeface="Courier New"/>
+                <a:ea typeface="Courier New"/>
+                <a:cs typeface="Courier New"/>
+                <a:sym typeface="Courier New"/>
+              </a:rPr>
+              <a:t> </a:t>
+            </a:r>
+            <a:r>
+              <a:rPr lang="en" sz="1200">
+                <a:solidFill>
+                  <a:srgbClr val="FF0000"/>
+                </a:solidFill>
+                <a:latin typeface="Courier New"/>
+                <a:ea typeface="Courier New"/>
+                <a:cs typeface="Courier New"/>
+                <a:sym typeface="Courier New"/>
+              </a:rPr>
+              <a:t>9848</a:t>
+            </a:r>
+            <a:r>
+              <a:rPr lang="en" sz="1200">
+                <a:solidFill>
+                  <a:srgbClr val="FF0000"/>
+                </a:solidFill>
+                <a:latin typeface="Courier New"/>
+                <a:ea typeface="Courier New"/>
+                <a:cs typeface="Courier New"/>
+                <a:sym typeface="Courier New"/>
+              </a:rPr>
+              <a:t> wrong classifications</a:t>
+            </a:r>
+            <a:endParaRPr>
+              <a:solidFill>
+                <a:srgbClr val="FF0000"/>
+              </a:solidFill>
+              <a:latin typeface="Courier New"/>
+              <a:ea typeface="Courier New"/>
+              <a:cs typeface="Courier New"/>
+              <a:sym typeface="Courier New"/>
+            </a:endParaRPr>
+          </a:p>
+        </p:txBody>
+      </p:sp>
+    </p:spTree>
+  </p:cSld>
+  <p:clrMapOvr>
+    <a:masterClrMapping/>
+  </p:clrMapOvr>
+</p:sld>
+</file>
+
 <file path=ppt/theme/theme1.xml><?xml version="1.0" encoding="utf-8"?>
+<a:theme xmlns:a="http://schemas.openxmlformats.org/drawingml/2006/main" xmlns:r="http://schemas.openxmlformats.org/officeDocument/2006/relationships">
+  <a:themeElements>
+    <a:clrScheme name="Default">
+      <a:dk1>
+        <a:srgbClr val="000000"/>
+      </a:dk1>
+      <a:lt1>
+        <a:srgbClr val="FFFFFF"/>
+      </a:lt1>
+      <a:dk2>
+        <a:srgbClr val="158158"/>
+      </a:dk2>
+      <a:lt2>
+        <a:srgbClr val="F3F3F3"/>
+      </a:lt2>
+      <a:accent1>
+        <a:srgbClr val="058DC7"/>
+      </a:accent1>
+      <a:accent2>
+        <a:srgbClr val="50B432"/>
+      </a:accent2>
+      <a:accent3>
+        <a:srgbClr val="ED561B"/>
+      </a:accent3>
+      <a:accent4>
+        <a:srgbClr val="EDEF00"/>
+      </a:accent4>
+      <a:accent5>
+        <a:srgbClr val="24CBE5"/>
+      </a:accent5>
+      <a:accent6>
+        <a:srgbClr val="64E572"/>
+      </a:accent6>
+      <a:hlink>
+        <a:srgbClr val="2200CC"/>
+      </a:hlink>
+      <a:folHlink>
+        <a:srgbClr val="551A8B"/>
+      </a:folHlink>
+    </a:clrScheme>
+    <a:fontScheme name="Office">
+      <a:majorFont>
+        <a:latin typeface="Arial"/>
+        <a:ea typeface=""/>
+        <a:cs typeface=""/>
+        <a:font script="Jpan" typeface="ＭＳ Ｐゴシック"/>
+        <a:font script="Hang" typeface="맑은 고딕"/>
+        <a:font script="Hans" typeface="宋体"/>
+        <a:font script="Hant" typeface="新細明體"/>
+        <a:font script="Arab" typeface="Times New Roman"/>
+        <a:font script="Hebr" typeface="Times New Roman"/>
+        <a:font script="Thai" typeface="Angsana New"/>
+        <a:font script="Ethi" typeface="Nyala"/>
+        <a:font script="Beng" typeface="Vrinda"/>
+        <a:font script="Gujr" typeface="Shruti"/>
+        <a:font script="Khmr" typeface="MoolBoran"/>
+        <a:font script="Knda" typeface="Tunga"/>
+        <a:font script="Guru" typeface="Raavi"/>
+        <a:font script="Cans" typeface="Euphemia"/>
+        <a:font script="Cher" typeface="Plantagenet Cherokee"/>
+        <a:font script="Yiii" typeface="Microsoft Yi Baiti"/>
+        <a:font script="Tibt" typeface="Microsoft Himalaya"/>
+        <a:font script="Thaa" typeface="MV Boli"/>
+        <a:font script="Deva" typeface="Mangal"/>
+        <a:font script="Telu" typeface="Gautami"/>
+        <a:font script="Taml" typeface="Latha"/>
+        <a:font script="Syrc" typeface="Estrangelo Edessa"/>
+        <a:font script="Orya" typeface="Kalinga"/>
+        <a:font script="Mlym" typeface="Kartika"/>
+        <a:font script="Laoo" typeface="DokChampa"/>
+        <a:font script="Sinh" typeface="Iskoola Pota"/>
+        <a:font script="Mong" typeface="Mongolian Baiti"/>
+        <a:font script="Viet" typeface="Times New Roman"/>
+        <a:font script="Uigh" typeface="Microsoft Uighur"/>
+        <a:font script="Geor" typeface="Sylfaen"/>
+      </a:majorFont>
+      <a:minorFont>
+        <a:latin typeface="Arial"/>
+        <a:ea typeface=""/>
+        <a:cs typeface=""/>
+        <a:font script="Jpan" typeface="ＭＳ Ｐゴシック"/>
+        <a:font script="Hang" typeface="맑은 고딕"/>
+        <a:font script="Hans" typeface="宋体"/>
+        <a:font script="Hant" typeface="新細明體"/>
+        <a:font script="Arab" typeface="Arial"/>
+        <a:font script="Hebr" typeface="Arial"/>
+        <a:font script="Thai" typeface="Cordia New"/>
+        <a:font script="Ethi" typeface="Nyala"/>
+        <a:font script="Beng" typeface="Vrinda"/>
+        <a:font script="Gujr" typeface="Shruti"/>
+        <a:font script="Khmr" typeface="DaunPenh"/>
+        <a:font script="Knda" typeface="Tunga"/>
+        <a:font script="Guru" typeface="Raavi"/>
+        <a:font script="Cans" typeface="Euphemia"/>
+        <a:font script="Cher" typeface="Plantagenet Cherokee"/>
+        <a:font script="Yiii" typeface="Microsoft Yi Baiti"/>
+        <a:font script="Tibt" typeface="Microsoft Himalaya"/>
+        <a:font script="Thaa" typeface="MV Boli"/>
+        <a:font script="Deva" typeface="Mangal"/>
+        <a:font script="Telu" typeface="Gautami"/>
+        <a:font script="Taml" typeface="Latha"/>
+        <a:font script="Syrc" typeface="Estrangelo Edessa"/>
+        <a:font script="Orya" typeface="Kalinga"/>
+        <a:font script="Mlym" typeface="Kartika"/>
+        <a:font script="Laoo" typeface="DokChampa"/>
+        <a:font script="Sinh" typeface="Iskoola Pota"/>
+        <a:font script="Mong" typeface="Mongolian Baiti"/>
+        <a:font script="Viet" typeface="Arial"/>
+        <a:font script="Uigh" typeface="Microsoft Uighur"/>
+        <a:font script="Geor" typeface="Sylfaen"/>
+      </a:minorFont>
+    </a:fontScheme>
+    <a:fmtScheme name="Office">
+      <a:fillStyleLst>
+        <a:solidFill>
+          <a:schemeClr val="phClr"/>
+        </a:solidFill>
+        <a:gradFill rotWithShape="1">
+          <a:gsLst>
+            <a:gs pos="0">
+              <a:schemeClr val="phClr">
+                <a:tint val="50000"/>
+                <a:satMod val="300000"/>
+              </a:schemeClr>
+            </a:gs>
+            <a:gs pos="35000">
+              <a:schemeClr val="phClr">
+                <a:tint val="37000"/>
+                <a:satMod val="300000"/>
+              </a:schemeClr>
+            </a:gs>
+            <a:gs pos="100000">
+              <a:schemeClr val="phClr">
+                <a:tint val="15000"/>
+                <a:satMod val="350000"/>
+              </a:schemeClr>
+            </a:gs>
+          </a:gsLst>
+          <a:lin ang="16200000" scaled="1"/>
+        </a:gradFill>
+        <a:gradFill rotWithShape="1">
+          <a:gsLst>
+            <a:gs pos="0">
+              <a:schemeClr val="phClr">
+                <a:tint val="100000"/>
+                <a:shade val="100000"/>
+                <a:satMod val="130000"/>
+              </a:schemeClr>
+            </a:gs>
+            <a:gs pos="100000">
+              <a:schemeClr val="phClr">
+                <a:tint val="50000"/>
+                <a:shade val="100000"/>
+                <a:satMod val="350000"/>
+              </a:schemeClr>
+            </a:gs>
+          </a:gsLst>
+          <a:lin ang="16200000" scaled="0"/>
+        </a:gradFill>
+      </a:fillStyleLst>
+      <a:lnStyleLst>
+        <a:ln w="9525" cap="flat" cmpd="sng" algn="ctr">
+          <a:solidFill>
+            <a:schemeClr val="phClr">
+              <a:shade val="95000"/>
+              <a:satMod val="105000"/>
+            </a:schemeClr>
+          </a:solidFill>
+          <a:prstDash val="solid"/>
+        </a:ln>
+        <a:ln w="25400" cap="flat" cmpd="sng" algn="ctr">
+          <a:solidFill>
+            <a:schemeClr val="phClr"/>
+          </a:solidFill>
+          <a:prstDash val="solid"/>
+        </a:ln>
+        <a:ln w="38100" cap="flat" cmpd="sng" algn="ctr">
+          <a:solidFill>
+            <a:schemeClr val="phClr"/>
+          </a:solidFill>
+          <a:prstDash val="solid"/>
+        </a:ln>
+      </a:lnStyleLst>
+      <a:effectStyleLst>
+        <a:effectStyle>
+          <a:effectLst>
+            <a:outerShdw blurRad="40000" dist="20000" dir="5400000" rotWithShape="0">
+              <a:srgbClr val="000000">
+                <a:alpha val="38000"/>
+              </a:srgbClr>
+            </a:outerShdw>
+          </a:effectLst>
+        </a:effectStyle>
+        <a:effectStyle>
+          <a:effectLst>
+            <a:outerShdw blurRad="40000" dist="23000" dir="5400000" rotWithShape="0">
+              <a:srgbClr val="000000">
+                <a:alpha val="35000"/>
+              </a:srgbClr>
+            </a:outerShdw>
+          </a:effectLst>
+        </a:effectStyle>
+        <a:effectStyle>
+          <a:effectLst>
+            <a:outerShdw blurRad="40000" dist="23000" dir="5400000" rotWithShape="0">
+              <a:srgbClr val="000000">
+                <a:alpha val="35000"/>
+              </a:srgbClr>
+            </a:outerShdw>
+          </a:effectLst>
+          <a:scene3d>
+            <a:camera prst="orthographicFront">
+              <a:rot lat="0" lon="0" rev="0"/>
+            </a:camera>
+            <a:lightRig rig="threePt" dir="t">
+              <a:rot lat="0" lon="0" rev="1200000"/>
+            </a:lightRig>
+          </a:scene3d>
+          <a:sp3d>
+            <a:bevelT w="63500" h="25400"/>
+          </a:sp3d>
+        </a:effectStyle>
+      </a:effectStyleLst>
+      <a:bgFillStyleLst>
+        <a:solidFill>
+          <a:schemeClr val="phClr"/>
+        </a:solidFill>
+        <a:gradFill rotWithShape="1">
+          <a:gsLst>
+            <a:gs pos="0">
+              <a:schemeClr val="phClr">
+                <a:tint val="40000"/>
+                <a:satMod val="350000"/>
+              </a:schemeClr>
+            </a:gs>
+            <a:gs pos="40000">
+              <a:schemeClr val="phClr">
+                <a:tint val="45000"/>
+                <a:shade val="99000"/>
+                <a:satMod val="350000"/>
+              </a:schemeClr>
+            </a:gs>
+            <a:gs pos="100000">
+              <a:schemeClr val="phClr">
+                <a:shade val="20000"/>
+                <a:satMod val="255000"/>
+              </a:schemeClr>
+            </a:gs>
+          </a:gsLst>
+          <a:path path="circle">
+            <a:fillToRect l="50000" t="-80000" r="50000" b="180000"/>
+          </a:path>
+        </a:gradFill>
+        <a:gradFill rotWithShape="1">
+          <a:gsLst>
+            <a:gs pos="0">
+              <a:schemeClr val="phClr">
+                <a:tint val="80000"/>
+                <a:satMod val="300000"/>
+              </a:schemeClr>
+            </a:gs>
+            <a:gs pos="100000">
+              <a:schemeClr val="phClr">
+                <a:shade val="30000"/>
+                <a:satMod val="200000"/>
+              </a:schemeClr>
+            </a:gs>
+          </a:gsLst>
+          <a:path path="circle">
+            <a:fillToRect l="50000" t="50000" r="50000" b="50000"/>
+          </a:path>
+        </a:gradFill>
+      </a:bgFillStyleLst>
+    </a:fmtScheme>
+  </a:themeElements>
+</a:theme>
+</file>
+
+<file path=ppt/theme/theme2.xml><?xml version="1.0" encoding="utf-8"?>
 <a:theme xmlns:a="http://schemas.openxmlformats.org/drawingml/2006/main" xmlns:r="http://schemas.openxmlformats.org/officeDocument/2006/relationships" name="Simple Light">
   <a:themeElements>
     <a:clrScheme name="Simple Light">
@@ -5814,283 +9387,4 @@
     </a:fmtScheme>
   </a:themeElements>
 </a:theme>
-</file>
-
-<file path=ppt/theme/theme2.xml><?xml version="1.0" encoding="utf-8"?>
-<a:theme xmlns:a="http://schemas.openxmlformats.org/drawingml/2006/main" xmlns:r="http://schemas.openxmlformats.org/officeDocument/2006/relationships">
-  <a:themeElements>
-    <a:clrScheme name="Default">
-      <a:dk1>
-        <a:srgbClr val="000000"/>
-      </a:dk1>
-      <a:lt1>
-        <a:srgbClr val="FFFFFF"/>
-      </a:lt1>
-      <a:dk2>
-        <a:srgbClr val="158158"/>
-      </a:dk2>
-      <a:lt2>
-        <a:srgbClr val="F3F3F3"/>
-      </a:lt2>
-      <a:accent1>
-        <a:srgbClr val="058DC7"/>
-      </a:accent1>
-      <a:accent2>
-        <a:srgbClr val="50B432"/>
-      </a:accent2>
-      <a:accent3>
-        <a:srgbClr val="ED561B"/>
-      </a:accent3>
-      <a:accent4>
-        <a:srgbClr val="EDEF00"/>
-      </a:accent4>
-      <a:accent5>
-        <a:srgbClr val="24CBE5"/>
-      </a:accent5>
-      <a:accent6>
-        <a:srgbClr val="64E572"/>
-      </a:accent6>
-      <a:hlink>
-        <a:srgbClr val="2200CC"/>
-      </a:hlink>
-      <a:folHlink>
-        <a:srgbClr val="551A8B"/>
-      </a:folHlink>
-    </a:clrScheme>
-    <a:fontScheme name="Office">
-      <a:majorFont>
-        <a:latin typeface="Arial"/>
-        <a:ea typeface=""/>
-        <a:cs typeface=""/>
-        <a:font script="Jpan" typeface="ＭＳ Ｐゴシック"/>
-        <a:font script="Hang" typeface="맑은 고딕"/>
-        <a:font script="Hans" typeface="宋体"/>
-        <a:font script="Hant" typeface="新細明體"/>
-        <a:font script="Arab" typeface="Times New Roman"/>
-        <a:font script="Hebr" typeface="Times New Roman"/>
-        <a:font script="Thai" typeface="Angsana New"/>
-        <a:font script="Ethi" typeface="Nyala"/>
-        <a:font script="Beng" typeface="Vrinda"/>
-        <a:font script="Gujr" typeface="Shruti"/>
-        <a:font script="Khmr" typeface="MoolBoran"/>
-        <a:font script="Knda" typeface="Tunga"/>
-        <a:font script="Guru" typeface="Raavi"/>
-        <a:font script="Cans" typeface="Euphemia"/>
-        <a:font script="Cher" typeface="Plantagenet Cherokee"/>
-        <a:font script="Yiii" typeface="Microsoft Yi Baiti"/>
-        <a:font script="Tibt" typeface="Microsoft Himalaya"/>
-        <a:font script="Thaa" typeface="MV Boli"/>
-        <a:font script="Deva" typeface="Mangal"/>
-        <a:font script="Telu" typeface="Gautami"/>
-        <a:font script="Taml" typeface="Latha"/>
-        <a:font script="Syrc" typeface="Estrangelo Edessa"/>
-        <a:font script="Orya" typeface="Kalinga"/>
-        <a:font script="Mlym" typeface="Kartika"/>
-        <a:font script="Laoo" typeface="DokChampa"/>
-        <a:font script="Sinh" typeface="Iskoola Pota"/>
-        <a:font script="Mong" typeface="Mongolian Baiti"/>
-        <a:font script="Viet" typeface="Times New Roman"/>
-        <a:font script="Uigh" typeface="Microsoft Uighur"/>
-        <a:font script="Geor" typeface="Sylfaen"/>
-      </a:majorFont>
-      <a:minorFont>
-        <a:latin typeface="Arial"/>
-        <a:ea typeface=""/>
-        <a:cs typeface=""/>
-        <a:font script="Jpan" typeface="ＭＳ Ｐゴシック"/>
-        <a:font script="Hang" typeface="맑은 고딕"/>
-        <a:font script="Hans" typeface="宋体"/>
-        <a:font script="Hant" typeface="新細明體"/>
-        <a:font script="Arab" typeface="Arial"/>
-        <a:font script="Hebr" typeface="Arial"/>
-        <a:font script="Thai" typeface="Cordia New"/>
-        <a:font script="Ethi" typeface="Nyala"/>
-        <a:font script="Beng" typeface="Vrinda"/>
-        <a:font script="Gujr" typeface="Shruti"/>
-        <a:font script="Khmr" typeface="DaunPenh"/>
-        <a:font script="Knda" typeface="Tunga"/>
-        <a:font script="Guru" typeface="Raavi"/>
-        <a:font script="Cans" typeface="Euphemia"/>
-        <a:font script="Cher" typeface="Plantagenet Cherokee"/>
-        <a:font script="Yiii" typeface="Microsoft Yi Baiti"/>
-        <a:font script="Tibt" typeface="Microsoft Himalaya"/>
-        <a:font script="Thaa" typeface="MV Boli"/>
-        <a:font script="Deva" typeface="Mangal"/>
-        <a:font script="Telu" typeface="Gautami"/>
-        <a:font script="Taml" typeface="Latha"/>
-        <a:font script="Syrc" typeface="Estrangelo Edessa"/>
-        <a:font script="Orya" typeface="Kalinga"/>
-        <a:font script="Mlym" typeface="Kartika"/>
-        <a:font script="Laoo" typeface="DokChampa"/>
-        <a:font script="Sinh" typeface="Iskoola Pota"/>
-        <a:font script="Mong" typeface="Mongolian Baiti"/>
-        <a:font script="Viet" typeface="Arial"/>
-        <a:font script="Uigh" typeface="Microsoft Uighur"/>
-        <a:font script="Geor" typeface="Sylfaen"/>
-      </a:minorFont>
-    </a:fontScheme>
-    <a:fmtScheme name="Office">
-      <a:fillStyleLst>
-        <a:solidFill>
-          <a:schemeClr val="phClr"/>
-        </a:solidFill>
-        <a:gradFill rotWithShape="1">
-          <a:gsLst>
-            <a:gs pos="0">
-              <a:schemeClr val="phClr">
-                <a:tint val="50000"/>
-                <a:satMod val="300000"/>
-              </a:schemeClr>
-            </a:gs>
-            <a:gs pos="35000">
-              <a:schemeClr val="phClr">
-                <a:tint val="37000"/>
-                <a:satMod val="300000"/>
-              </a:schemeClr>
-            </a:gs>
-            <a:gs pos="100000">
-              <a:schemeClr val="phClr">
-                <a:tint val="15000"/>
-                <a:satMod val="350000"/>
-              </a:schemeClr>
-            </a:gs>
-          </a:gsLst>
-          <a:lin ang="16200000" scaled="1"/>
-        </a:gradFill>
-        <a:gradFill rotWithShape="1">
-          <a:gsLst>
-            <a:gs pos="0">
-              <a:schemeClr val="phClr">
-                <a:tint val="100000"/>
-                <a:shade val="100000"/>
-                <a:satMod val="130000"/>
-              </a:schemeClr>
-            </a:gs>
-            <a:gs pos="100000">
-              <a:schemeClr val="phClr">
-                <a:tint val="50000"/>
-                <a:shade val="100000"/>
-                <a:satMod val="350000"/>
-              </a:schemeClr>
-            </a:gs>
-          </a:gsLst>
-          <a:lin ang="16200000" scaled="0"/>
-        </a:gradFill>
-      </a:fillStyleLst>
-      <a:lnStyleLst>
-        <a:ln w="9525" cap="flat" cmpd="sng" algn="ctr">
-          <a:solidFill>
-            <a:schemeClr val="phClr">
-              <a:shade val="95000"/>
-              <a:satMod val="105000"/>
-            </a:schemeClr>
-          </a:solidFill>
-          <a:prstDash val="solid"/>
-        </a:ln>
-        <a:ln w="25400" cap="flat" cmpd="sng" algn="ctr">
-          <a:solidFill>
-            <a:schemeClr val="phClr"/>
-          </a:solidFill>
-          <a:prstDash val="solid"/>
-        </a:ln>
-        <a:ln w="38100" cap="flat" cmpd="sng" algn="ctr">
-          <a:solidFill>
-            <a:schemeClr val="phClr"/>
-          </a:solidFill>
-          <a:prstDash val="solid"/>
-        </a:ln>
-      </a:lnStyleLst>
-      <a:effectStyleLst>
-        <a:effectStyle>
-          <a:effectLst>
-            <a:outerShdw blurRad="40000" dist="20000" dir="5400000" rotWithShape="0">
-              <a:srgbClr val="000000">
-                <a:alpha val="38000"/>
-              </a:srgbClr>
-            </a:outerShdw>
-          </a:effectLst>
-        </a:effectStyle>
-        <a:effectStyle>
-          <a:effectLst>
-            <a:outerShdw blurRad="40000" dist="23000" dir="5400000" rotWithShape="0">
-              <a:srgbClr val="000000">
-                <a:alpha val="35000"/>
-              </a:srgbClr>
-            </a:outerShdw>
-          </a:effectLst>
-        </a:effectStyle>
-        <a:effectStyle>
-          <a:effectLst>
-            <a:outerShdw blurRad="40000" dist="23000" dir="5400000" rotWithShape="0">
-              <a:srgbClr val="000000">
-                <a:alpha val="35000"/>
-              </a:srgbClr>
-            </a:outerShdw>
-          </a:effectLst>
-          <a:scene3d>
-            <a:camera prst="orthographicFront">
-              <a:rot lat="0" lon="0" rev="0"/>
-            </a:camera>
-            <a:lightRig rig="threePt" dir="t">
-              <a:rot lat="0" lon="0" rev="1200000"/>
-            </a:lightRig>
-          </a:scene3d>
-          <a:sp3d>
-            <a:bevelT w="63500" h="25400"/>
-          </a:sp3d>
-        </a:effectStyle>
-      </a:effectStyleLst>
-      <a:bgFillStyleLst>
-        <a:solidFill>
-          <a:schemeClr val="phClr"/>
-        </a:solidFill>
-        <a:gradFill rotWithShape="1">
-          <a:gsLst>
-            <a:gs pos="0">
-              <a:schemeClr val="phClr">
-                <a:tint val="40000"/>
-                <a:satMod val="350000"/>
-              </a:schemeClr>
-            </a:gs>
-            <a:gs pos="40000">
-              <a:schemeClr val="phClr">
-                <a:tint val="45000"/>
-                <a:shade val="99000"/>
-                <a:satMod val="350000"/>
-              </a:schemeClr>
-            </a:gs>
-            <a:gs pos="100000">
-              <a:schemeClr val="phClr">
-                <a:shade val="20000"/>
-                <a:satMod val="255000"/>
-              </a:schemeClr>
-            </a:gs>
-          </a:gsLst>
-          <a:path path="circle">
-            <a:fillToRect l="50000" t="-80000" r="50000" b="180000"/>
-          </a:path>
-        </a:gradFill>
-        <a:gradFill rotWithShape="1">
-          <a:gsLst>
-            <a:gs pos="0">
-              <a:schemeClr val="phClr">
-                <a:tint val="80000"/>
-                <a:satMod val="300000"/>
-              </a:schemeClr>
-            </a:gs>
-            <a:gs pos="100000">
-              <a:schemeClr val="phClr">
-                <a:shade val="30000"/>
-                <a:satMod val="200000"/>
-              </a:schemeClr>
-            </a:gs>
-          </a:gsLst>
-          <a:path path="circle">
-            <a:fillToRect l="50000" t="50000" r="50000" b="50000"/>
-          </a:path>
-        </a:gradFill>
-      </a:bgFillStyleLst>
-    </a:fmtScheme>
-  </a:themeElements>
-</a:theme>
 </file>
--- a/FinalProjPres.pptx
+++ b/FinalProjPres.pptx
@@ -999,7 +999,7 @@
   <p:cSld>
     <p:spTree>
       <p:nvGrpSpPr>
-        <p:cNvPr id="128" name="Shape 128"/>
+        <p:cNvPr id="129" name="Shape 129"/>
         <p:cNvGrpSpPr/>
         <p:nvPr/>
       </p:nvGrpSpPr>
@@ -1013,7 +1013,7 @@
       </p:grpSpPr>
       <p:sp>
         <p:nvSpPr>
-          <p:cNvPr id="129" name="Google Shape;129;g1b24119b7c8_0_92:notes"/>
+          <p:cNvPr id="130" name="Google Shape;130;g1b24119b7c8_0_92:notes"/>
           <p:cNvSpPr/>
           <p:nvPr>
             <p:ph idx="2" type="sldImg"/>
@@ -1048,7 +1048,7 @@
       </p:sp>
       <p:sp>
         <p:nvSpPr>
-          <p:cNvPr id="130" name="Google Shape;130;g1b24119b7c8_0_92:notes"/>
+          <p:cNvPr id="131" name="Google Shape;131;g1b24119b7c8_0_92:notes"/>
           <p:cNvSpPr txBox="1"/>
           <p:nvPr>
             <p:ph idx="1" type="body"/>
@@ -6904,6 +6904,34 @@
           </a:p>
         </p:txBody>
       </p:sp>
+      <p:pic>
+        <p:nvPicPr>
+          <p:cNvPr id="128" name="Google Shape;128;p23"/>
+          <p:cNvPicPr preferRelativeResize="0"/>
+          <p:nvPr/>
+        </p:nvPicPr>
+        <p:blipFill>
+          <a:blip r:embed="rId3">
+            <a:alphaModFix/>
+          </a:blip>
+          <a:stretch>
+            <a:fillRect/>
+          </a:stretch>
+        </p:blipFill>
+        <p:spPr>
+          <a:xfrm>
+            <a:off x="1615475" y="2902350"/>
+            <a:ext cx="5913050" cy="1981175"/>
+          </a:xfrm>
+          <a:prstGeom prst="rect">
+            <a:avLst/>
+          </a:prstGeom>
+          <a:noFill/>
+          <a:ln>
+            <a:noFill/>
+          </a:ln>
+        </p:spPr>
+      </p:pic>
     </p:spTree>
   </p:cSld>
   <p:clrMapOvr>
@@ -6917,7 +6945,7 @@
   <p:cSld>
     <p:spTree>
       <p:nvGrpSpPr>
-        <p:cNvPr id="131" name="Shape 131"/>
+        <p:cNvPr id="132" name="Shape 132"/>
         <p:cNvGrpSpPr/>
         <p:nvPr/>
       </p:nvGrpSpPr>
@@ -6931,7 +6959,7 @@
       </p:grpSpPr>
       <p:sp>
         <p:nvSpPr>
-          <p:cNvPr id="132" name="Google Shape;132;p24"/>
+          <p:cNvPr id="133" name="Google Shape;133;p24"/>
           <p:cNvSpPr txBox="1"/>
           <p:nvPr>
             <p:ph type="title"/>
@@ -6971,7 +6999,7 @@
       </p:sp>
       <p:sp>
         <p:nvSpPr>
-          <p:cNvPr id="133" name="Google Shape;133;p24"/>
+          <p:cNvPr id="134" name="Google Shape;134;p24"/>
           <p:cNvSpPr txBox="1"/>
           <p:nvPr>
             <p:ph idx="1" type="body"/>
